--- a/S2.1_mdJSON_mdTools.pptx
+++ b/S2.1_mdJSON_mdTools.pptx
@@ -6,17 +6,18 @@
     <p:sldMasterId id="2147483732" r:id="rId2"/>
   </p:sldMasterIdLst>
   <p:notesMasterIdLst>
-    <p:notesMasterId r:id="rId11"/>
+    <p:notesMasterId r:id="rId12"/>
   </p:notesMasterIdLst>
   <p:sldIdLst>
     <p:sldId id="335" r:id="rId3"/>
     <p:sldId id="337" r:id="rId4"/>
-    <p:sldId id="336" r:id="rId5"/>
-    <p:sldId id="338" r:id="rId6"/>
-    <p:sldId id="340" r:id="rId7"/>
-    <p:sldId id="341" r:id="rId8"/>
-    <p:sldId id="342" r:id="rId9"/>
-    <p:sldId id="339" r:id="rId10"/>
+    <p:sldId id="343" r:id="rId5"/>
+    <p:sldId id="336" r:id="rId6"/>
+    <p:sldId id="338" r:id="rId7"/>
+    <p:sldId id="340" r:id="rId8"/>
+    <p:sldId id="341" r:id="rId9"/>
+    <p:sldId id="342" r:id="rId10"/>
+    <p:sldId id="339" r:id="rId11"/>
   </p:sldIdLst>
   <p:sldSz cx="9144000" cy="6858000" type="screen4x3"/>
   <p:notesSz cx="7077075" cy="9051925"/>
@@ -1176,15 +1177,7 @@
               <a:ea typeface="Verdana" panose="020B0604030504040204" pitchFamily="34" charset="0"/>
               <a:cs typeface="Verdana" panose="020B0604030504040204" pitchFamily="34" charset="0"/>
             </a:rPr>
-            <a:t>Data </a:t>
-          </a:r>
-          <a:r>
-            <a:rPr lang="en-US" sz="1600" dirty="0" smtClean="0">
-              <a:latin typeface="Verdana" panose="020B0604030504040204" pitchFamily="34" charset="0"/>
-              <a:ea typeface="Verdana" panose="020B0604030504040204" pitchFamily="34" charset="0"/>
-              <a:cs typeface="Verdana" panose="020B0604030504040204" pitchFamily="34" charset="0"/>
-            </a:rPr>
-            <a:t>Dictionary[]</a:t>
+            <a:t>Data Dictionary[]</a:t>
           </a:r>
           <a:endParaRPr lang="en-US" sz="1600" dirty="0">
             <a:latin typeface="Verdana" panose="020B0604030504040204" pitchFamily="34" charset="0"/>
@@ -1490,15 +1483,7 @@
               <a:ea typeface="Verdana" panose="020B0604030504040204" pitchFamily="34" charset="0"/>
               <a:cs typeface="Verdana" panose="020B0604030504040204" pitchFamily="34" charset="0"/>
             </a:rPr>
-            <a:t>Associated </a:t>
-          </a:r>
-          <a:r>
-            <a:rPr lang="en-US" sz="1600" dirty="0" smtClean="0">
-              <a:latin typeface="Verdana" panose="020B0604030504040204" pitchFamily="34" charset="0"/>
-              <a:ea typeface="Verdana" panose="020B0604030504040204" pitchFamily="34" charset="0"/>
-              <a:cs typeface="Verdana" panose="020B0604030504040204" pitchFamily="34" charset="0"/>
-            </a:rPr>
-            <a:t>Resources[]</a:t>
+            <a:t>Associated Resources[]</a:t>
           </a:r>
           <a:endParaRPr lang="en-US" sz="1600" dirty="0">
             <a:latin typeface="Verdana" panose="020B0604030504040204" pitchFamily="34" charset="0"/>
@@ -1568,11 +1553,6 @@
             </a:rPr>
             <a:t>Keywords[]</a:t>
           </a:r>
-          <a:endParaRPr lang="en-US" sz="1600" dirty="0" smtClean="0">
-            <a:latin typeface="Verdana" panose="020B0604030504040204" pitchFamily="34" charset="0"/>
-            <a:ea typeface="Verdana" panose="020B0604030504040204" pitchFamily="34" charset="0"/>
-            <a:cs typeface="Verdana" panose="020B0604030504040204" pitchFamily="34" charset="0"/>
-          </a:endParaRPr>
         </a:p>
       </dgm:t>
     </dgm:pt>
@@ -1625,11 +1605,6 @@
             </a:rPr>
             <a:t>Extents[]</a:t>
           </a:r>
-          <a:endParaRPr lang="en-US" sz="1600" dirty="0" smtClean="0">
-            <a:latin typeface="Verdana" panose="020B0604030504040204" pitchFamily="34" charset="0"/>
-            <a:ea typeface="Verdana" panose="020B0604030504040204" pitchFamily="34" charset="0"/>
-            <a:cs typeface="Verdana" panose="020B0604030504040204" pitchFamily="34" charset="0"/>
-          </a:endParaRPr>
         </a:p>
       </dgm:t>
     </dgm:pt>
@@ -1683,15 +1658,7 @@
               <a:ea typeface="Verdana" panose="020B0604030504040204" pitchFamily="34" charset="0"/>
               <a:cs typeface="Verdana" panose="020B0604030504040204" pitchFamily="34" charset="0"/>
             </a:rPr>
-            <a:t>Resource </a:t>
-          </a:r>
-          <a:r>
-            <a:rPr lang="en-US" sz="1600" dirty="0" smtClean="0">
-              <a:latin typeface="Verdana" panose="020B0604030504040204" pitchFamily="34" charset="0"/>
-              <a:ea typeface="Verdana" panose="020B0604030504040204" pitchFamily="34" charset="0"/>
-              <a:cs typeface="Verdana" panose="020B0604030504040204" pitchFamily="34" charset="0"/>
-            </a:rPr>
-            <a:t>Info{}</a:t>
+            <a:t>Resource Info{}</a:t>
           </a:r>
           <a:endParaRPr lang="en-US" sz="1600" dirty="0">
             <a:latin typeface="Verdana" panose="020B0604030504040204" pitchFamily="34" charset="0"/>
@@ -1764,15 +1731,7 @@
               <a:ea typeface="Verdana" panose="020B0604030504040204" pitchFamily="34" charset="0"/>
               <a:cs typeface="Verdana" panose="020B0604030504040204" pitchFamily="34" charset="0"/>
             </a:rPr>
-            <a:t>Metadata </a:t>
-          </a:r>
-          <a:r>
-            <a:rPr lang="en-US" sz="1600" dirty="0" smtClean="0">
-              <a:latin typeface="Verdana" panose="020B0604030504040204" pitchFamily="34" charset="0"/>
-              <a:ea typeface="Verdana" panose="020B0604030504040204" pitchFamily="34" charset="0"/>
-              <a:cs typeface="Verdana" panose="020B0604030504040204" pitchFamily="34" charset="0"/>
-            </a:rPr>
-            <a:t>Info{}</a:t>
+            <a:t>Metadata Info{}</a:t>
           </a:r>
           <a:endParaRPr lang="en-US" sz="1600" dirty="0">
             <a:latin typeface="Verdana" panose="020B0604030504040204" pitchFamily="34" charset="0"/>
@@ -1915,11 +1874,6 @@
             </a:rPr>
             <a:t>...</a:t>
           </a:r>
-          <a:endParaRPr lang="en-US" sz="4000" b="1" dirty="0" smtClean="0">
-            <a:latin typeface="Arial Rounded MT Bold" panose="020F0704030504030204" pitchFamily="34" charset="0"/>
-            <a:ea typeface="Verdana" panose="020B0604030504040204" pitchFamily="34" charset="0"/>
-            <a:cs typeface="Verdana" panose="020B0604030504040204" pitchFamily="34" charset="0"/>
-          </a:endParaRPr>
         </a:p>
       </dgm:t>
     </dgm:pt>
@@ -1964,6 +1918,13 @@
         </dgm:presLayoutVars>
       </dgm:prSet>
       <dgm:spPr/>
+      <dgm:t>
+        <a:bodyPr/>
+        <a:lstStyle/>
+        <a:p>
+          <a:endParaRPr lang="en-US"/>
+        </a:p>
+      </dgm:t>
     </dgm:pt>
     <dgm:pt modelId="{140F52CA-533E-469B-9F0A-619030FDC88B}" type="pres">
       <dgm:prSet presAssocID="{A827F4EF-BD6C-4BE9-8D6D-DB73BE80A8D3}" presName="root1" presStyleCnt="0"/>
@@ -1991,10 +1952,24 @@
     <dgm:pt modelId="{AEBAC1DE-FC48-4C1D-B0AE-4FEC023F0F94}" type="pres">
       <dgm:prSet presAssocID="{9653317B-5E13-4D0D-A3F4-0B784B0AB0B3}" presName="conn2-1" presStyleLbl="parChTrans1D2" presStyleIdx="0" presStyleCnt="4"/>
       <dgm:spPr/>
+      <dgm:t>
+        <a:bodyPr/>
+        <a:lstStyle/>
+        <a:p>
+          <a:endParaRPr lang="en-US"/>
+        </a:p>
+      </dgm:t>
     </dgm:pt>
     <dgm:pt modelId="{402984F4-87B0-499F-B786-F87E5FD93086}" type="pres">
       <dgm:prSet presAssocID="{9653317B-5E13-4D0D-A3F4-0B784B0AB0B3}" presName="connTx" presStyleLbl="parChTrans1D2" presStyleIdx="0" presStyleCnt="4"/>
       <dgm:spPr/>
+      <dgm:t>
+        <a:bodyPr/>
+        <a:lstStyle/>
+        <a:p>
+          <a:endParaRPr lang="en-US"/>
+        </a:p>
+      </dgm:t>
     </dgm:pt>
     <dgm:pt modelId="{46D383AA-D1F4-403B-BC45-FE9F99CD2F49}" type="pres">
       <dgm:prSet presAssocID="{27D8EFCA-06E0-4320-8B82-7EE1E902D7B2}" presName="root2" presStyleCnt="0"/>
@@ -2007,6 +1982,13 @@
         </dgm:presLayoutVars>
       </dgm:prSet>
       <dgm:spPr/>
+      <dgm:t>
+        <a:bodyPr/>
+        <a:lstStyle/>
+        <a:p>
+          <a:endParaRPr lang="en-US"/>
+        </a:p>
+      </dgm:t>
     </dgm:pt>
     <dgm:pt modelId="{0CC6C5A2-29E4-45C3-83E6-8B1607396CE8}" type="pres">
       <dgm:prSet presAssocID="{27D8EFCA-06E0-4320-8B82-7EE1E902D7B2}" presName="level3hierChild" presStyleCnt="0"/>
@@ -2015,10 +1997,24 @@
     <dgm:pt modelId="{00A2BB97-97DF-4CF2-B94A-9D8B0EB4EA1B}" type="pres">
       <dgm:prSet presAssocID="{DA358B86-8069-4E85-83C5-D4E127501397}" presName="conn2-1" presStyleLbl="parChTrans1D2" presStyleIdx="1" presStyleCnt="4"/>
       <dgm:spPr/>
+      <dgm:t>
+        <a:bodyPr/>
+        <a:lstStyle/>
+        <a:p>
+          <a:endParaRPr lang="en-US"/>
+        </a:p>
+      </dgm:t>
     </dgm:pt>
     <dgm:pt modelId="{04A36C04-9455-4270-835B-07546AC2D83B}" type="pres">
       <dgm:prSet presAssocID="{DA358B86-8069-4E85-83C5-D4E127501397}" presName="connTx" presStyleLbl="parChTrans1D2" presStyleIdx="1" presStyleCnt="4"/>
       <dgm:spPr/>
+      <dgm:t>
+        <a:bodyPr/>
+        <a:lstStyle/>
+        <a:p>
+          <a:endParaRPr lang="en-US"/>
+        </a:p>
+      </dgm:t>
     </dgm:pt>
     <dgm:pt modelId="{E6E50FB3-0E6B-4D3B-90FC-1A3FBBFAD08D}" type="pres">
       <dgm:prSet presAssocID="{6BB09DEA-7D21-4D84-81BA-B8DD63C8A45E}" presName="root2" presStyleCnt="0"/>
@@ -2046,10 +2042,24 @@
     <dgm:pt modelId="{CE5E57F2-344D-4135-BC79-1724957B2096}" type="pres">
       <dgm:prSet presAssocID="{296AFADA-85CD-4182-B8AA-9582CC81A921}" presName="conn2-1" presStyleLbl="parChTrans1D3" presStyleIdx="0" presStyleCnt="7"/>
       <dgm:spPr/>
+      <dgm:t>
+        <a:bodyPr/>
+        <a:lstStyle/>
+        <a:p>
+          <a:endParaRPr lang="en-US"/>
+        </a:p>
+      </dgm:t>
     </dgm:pt>
     <dgm:pt modelId="{64A21A78-85F4-47E4-BB35-630B8DF6AB2F}" type="pres">
       <dgm:prSet presAssocID="{296AFADA-85CD-4182-B8AA-9582CC81A921}" presName="connTx" presStyleLbl="parChTrans1D3" presStyleIdx="0" presStyleCnt="7"/>
       <dgm:spPr/>
+      <dgm:t>
+        <a:bodyPr/>
+        <a:lstStyle/>
+        <a:p>
+          <a:endParaRPr lang="en-US"/>
+        </a:p>
+      </dgm:t>
     </dgm:pt>
     <dgm:pt modelId="{ACA74F35-78F3-430A-B4D9-C28CC42BA127}" type="pres">
       <dgm:prSet presAssocID="{AC91E726-E191-4296-ACA3-3AF2428BA69B}" presName="root2" presStyleCnt="0"/>
@@ -2077,10 +2087,24 @@
     <dgm:pt modelId="{F6CA0B86-9F02-4F91-9C18-E8A6366512CC}" type="pres">
       <dgm:prSet presAssocID="{9A7D380C-670C-48C6-971D-007D5D3DD42E}" presName="conn2-1" presStyleLbl="parChTrans1D3" presStyleIdx="1" presStyleCnt="7"/>
       <dgm:spPr/>
+      <dgm:t>
+        <a:bodyPr/>
+        <a:lstStyle/>
+        <a:p>
+          <a:endParaRPr lang="en-US"/>
+        </a:p>
+      </dgm:t>
     </dgm:pt>
     <dgm:pt modelId="{869750FB-9FA8-43FB-B0AF-15C9FF1B89FC}" type="pres">
       <dgm:prSet presAssocID="{9A7D380C-670C-48C6-971D-007D5D3DD42E}" presName="connTx" presStyleLbl="parChTrans1D3" presStyleIdx="1" presStyleCnt="7"/>
       <dgm:spPr/>
+      <dgm:t>
+        <a:bodyPr/>
+        <a:lstStyle/>
+        <a:p>
+          <a:endParaRPr lang="en-US"/>
+        </a:p>
+      </dgm:t>
     </dgm:pt>
     <dgm:pt modelId="{B085C630-B07A-4357-B754-892069737194}" type="pres">
       <dgm:prSet presAssocID="{0B71CD23-265E-40AA-9D89-FE6CFCCCD986}" presName="root2" presStyleCnt="0"/>
@@ -2108,10 +2132,24 @@
     <dgm:pt modelId="{E00D937A-E19A-4B84-B0CE-E4AEF94E8109}" type="pres">
       <dgm:prSet presAssocID="{2F0D9B3A-3790-44DB-AB00-789A8AC9D6F7}" presName="conn2-1" presStyleLbl="parChTrans1D2" presStyleIdx="2" presStyleCnt="4"/>
       <dgm:spPr/>
+      <dgm:t>
+        <a:bodyPr/>
+        <a:lstStyle/>
+        <a:p>
+          <a:endParaRPr lang="en-US"/>
+        </a:p>
+      </dgm:t>
     </dgm:pt>
     <dgm:pt modelId="{D21E36AD-D51B-4FFF-BB87-F7587F4B22BB}" type="pres">
       <dgm:prSet presAssocID="{2F0D9B3A-3790-44DB-AB00-789A8AC9D6F7}" presName="connTx" presStyleLbl="parChTrans1D2" presStyleIdx="2" presStyleCnt="4"/>
       <dgm:spPr/>
+      <dgm:t>
+        <a:bodyPr/>
+        <a:lstStyle/>
+        <a:p>
+          <a:endParaRPr lang="en-US"/>
+        </a:p>
+      </dgm:t>
     </dgm:pt>
     <dgm:pt modelId="{5C3D8F9D-A5A4-4551-9D05-34486DB9BA80}" type="pres">
       <dgm:prSet presAssocID="{B7F1BD51-D76F-4EC9-8774-008A79A18FCB}" presName="root2" presStyleCnt="0"/>
@@ -2124,6 +2162,13 @@
         </dgm:presLayoutVars>
       </dgm:prSet>
       <dgm:spPr/>
+      <dgm:t>
+        <a:bodyPr/>
+        <a:lstStyle/>
+        <a:p>
+          <a:endParaRPr lang="en-US"/>
+        </a:p>
+      </dgm:t>
     </dgm:pt>
     <dgm:pt modelId="{C24C9360-80F7-4429-B88E-52DA6D337B91}" type="pres">
       <dgm:prSet presAssocID="{B7F1BD51-D76F-4EC9-8774-008A79A18FCB}" presName="level3hierChild" presStyleCnt="0"/>
@@ -2132,10 +2177,24 @@
     <dgm:pt modelId="{8F52E345-5F9B-4160-A13F-E858C8C34CF9}" type="pres">
       <dgm:prSet presAssocID="{0BACE3C3-1BC8-4F1E-B8E6-7E4600AA4B9F}" presName="conn2-1" presStyleLbl="parChTrans1D3" presStyleIdx="2" presStyleCnt="7"/>
       <dgm:spPr/>
+      <dgm:t>
+        <a:bodyPr/>
+        <a:lstStyle/>
+        <a:p>
+          <a:endParaRPr lang="en-US"/>
+        </a:p>
+      </dgm:t>
     </dgm:pt>
     <dgm:pt modelId="{5310CB01-E75E-4488-B6FD-9A3EB5098630}" type="pres">
       <dgm:prSet presAssocID="{0BACE3C3-1BC8-4F1E-B8E6-7E4600AA4B9F}" presName="connTx" presStyleLbl="parChTrans1D3" presStyleIdx="2" presStyleCnt="7"/>
       <dgm:spPr/>
+      <dgm:t>
+        <a:bodyPr/>
+        <a:lstStyle/>
+        <a:p>
+          <a:endParaRPr lang="en-US"/>
+        </a:p>
+      </dgm:t>
     </dgm:pt>
     <dgm:pt modelId="{579B9ADB-97E1-4813-AA02-FB1CCB707574}" type="pres">
       <dgm:prSet presAssocID="{BDA1D446-75C4-4754-BB03-DCA1B6C0C8A1}" presName="root2" presStyleCnt="0"/>
@@ -2163,10 +2222,24 @@
     <dgm:pt modelId="{E7178DAB-C863-432D-8B35-CB2F141412A3}" type="pres">
       <dgm:prSet presAssocID="{9D7C506E-35F9-4AB0-81F9-D6A7626609FC}" presName="conn2-1" presStyleLbl="parChTrans1D3" presStyleIdx="3" presStyleCnt="7"/>
       <dgm:spPr/>
+      <dgm:t>
+        <a:bodyPr/>
+        <a:lstStyle/>
+        <a:p>
+          <a:endParaRPr lang="en-US"/>
+        </a:p>
+      </dgm:t>
     </dgm:pt>
     <dgm:pt modelId="{1421F7B0-A549-4327-90B2-CD9C6AA92AAA}" type="pres">
       <dgm:prSet presAssocID="{9D7C506E-35F9-4AB0-81F9-D6A7626609FC}" presName="connTx" presStyleLbl="parChTrans1D3" presStyleIdx="3" presStyleCnt="7"/>
       <dgm:spPr/>
+      <dgm:t>
+        <a:bodyPr/>
+        <a:lstStyle/>
+        <a:p>
+          <a:endParaRPr lang="en-US"/>
+        </a:p>
+      </dgm:t>
     </dgm:pt>
     <dgm:pt modelId="{AA9B393A-78F1-4ABF-812D-7621B6747A7B}" type="pres">
       <dgm:prSet presAssocID="{24E27EC7-92B0-4CE6-B8D7-3DB318D077BA}" presName="root2" presStyleCnt="0"/>
@@ -2194,10 +2267,24 @@
     <dgm:pt modelId="{410AA857-C0B6-4666-AD67-1E407A56C2E2}" type="pres">
       <dgm:prSet presAssocID="{A5CC5D35-5DD5-46A6-A90F-ACD633ED9128}" presName="conn2-1" presStyleLbl="parChTrans1D4" presStyleIdx="0" presStyleCnt="4"/>
       <dgm:spPr/>
+      <dgm:t>
+        <a:bodyPr/>
+        <a:lstStyle/>
+        <a:p>
+          <a:endParaRPr lang="en-US"/>
+        </a:p>
+      </dgm:t>
     </dgm:pt>
     <dgm:pt modelId="{6C6EAEBF-C129-4736-ABCB-0D36A8FA035F}" type="pres">
       <dgm:prSet presAssocID="{A5CC5D35-5DD5-46A6-A90F-ACD633ED9128}" presName="connTx" presStyleLbl="parChTrans1D4" presStyleIdx="0" presStyleCnt="4"/>
       <dgm:spPr/>
+      <dgm:t>
+        <a:bodyPr/>
+        <a:lstStyle/>
+        <a:p>
+          <a:endParaRPr lang="en-US"/>
+        </a:p>
+      </dgm:t>
     </dgm:pt>
     <dgm:pt modelId="{0C29856D-E39B-4A4F-A163-F7C21EAA1B24}" type="pres">
       <dgm:prSet presAssocID="{805561F5-EA83-4CDD-9CF2-C8AC95BEBCC3}" presName="root2" presStyleCnt="0"/>
@@ -2225,10 +2312,24 @@
     <dgm:pt modelId="{6692F967-7047-453F-9FB7-5BD0641F164A}" type="pres">
       <dgm:prSet presAssocID="{6E518202-013D-40D6-84E8-6614FFE34C4B}" presName="conn2-1" presStyleLbl="parChTrans1D4" presStyleIdx="1" presStyleCnt="4"/>
       <dgm:spPr/>
+      <dgm:t>
+        <a:bodyPr/>
+        <a:lstStyle/>
+        <a:p>
+          <a:endParaRPr lang="en-US"/>
+        </a:p>
+      </dgm:t>
     </dgm:pt>
     <dgm:pt modelId="{E424DD18-86B0-44B3-85FE-951E0872E1D2}" type="pres">
       <dgm:prSet presAssocID="{6E518202-013D-40D6-84E8-6614FFE34C4B}" presName="connTx" presStyleLbl="parChTrans1D4" presStyleIdx="1" presStyleCnt="4"/>
       <dgm:spPr/>
+      <dgm:t>
+        <a:bodyPr/>
+        <a:lstStyle/>
+        <a:p>
+          <a:endParaRPr lang="en-US"/>
+        </a:p>
+      </dgm:t>
     </dgm:pt>
     <dgm:pt modelId="{F1F050A8-76F6-4ABB-A6CD-DBFA239BC91B}" type="pres">
       <dgm:prSet presAssocID="{26F8EAA7-8A97-4168-9AC8-481D16C272F9}" presName="root2" presStyleCnt="0"/>
@@ -2256,10 +2357,24 @@
     <dgm:pt modelId="{B6041E19-44BC-44D0-A478-5048EF244E61}" type="pres">
       <dgm:prSet presAssocID="{DEB14BC9-81A9-41B5-A294-78D12FE21B97}" presName="conn2-1" presStyleLbl="parChTrans1D4" presStyleIdx="2" presStyleCnt="4"/>
       <dgm:spPr/>
+      <dgm:t>
+        <a:bodyPr/>
+        <a:lstStyle/>
+        <a:p>
+          <a:endParaRPr lang="en-US"/>
+        </a:p>
+      </dgm:t>
     </dgm:pt>
     <dgm:pt modelId="{FFADE67D-9853-42BB-B046-351CE2F3B1EF}" type="pres">
       <dgm:prSet presAssocID="{DEB14BC9-81A9-41B5-A294-78D12FE21B97}" presName="connTx" presStyleLbl="parChTrans1D4" presStyleIdx="2" presStyleCnt="4"/>
       <dgm:spPr/>
+      <dgm:t>
+        <a:bodyPr/>
+        <a:lstStyle/>
+        <a:p>
+          <a:endParaRPr lang="en-US"/>
+        </a:p>
+      </dgm:t>
     </dgm:pt>
     <dgm:pt modelId="{E9529222-CF6C-4BB1-9DF5-A6ED289FBAD5}" type="pres">
       <dgm:prSet presAssocID="{E5C50C8C-79EE-49AA-A17C-D80E2EA992EB}" presName="root2" presStyleCnt="0"/>
@@ -2287,10 +2402,24 @@
     <dgm:pt modelId="{ABBB0174-0B58-48F9-A1AF-07EF065A9026}" type="pres">
       <dgm:prSet presAssocID="{ED5C5DCC-C16D-42D4-B283-675E02019722}" presName="conn2-1" presStyleLbl="parChTrans1D4" presStyleIdx="3" presStyleCnt="4"/>
       <dgm:spPr/>
+      <dgm:t>
+        <a:bodyPr/>
+        <a:lstStyle/>
+        <a:p>
+          <a:endParaRPr lang="en-US"/>
+        </a:p>
+      </dgm:t>
     </dgm:pt>
     <dgm:pt modelId="{BFB309A6-F711-47A0-8183-D6D2E445C020}" type="pres">
       <dgm:prSet presAssocID="{ED5C5DCC-C16D-42D4-B283-675E02019722}" presName="connTx" presStyleLbl="parChTrans1D4" presStyleIdx="3" presStyleCnt="4"/>
       <dgm:spPr/>
+      <dgm:t>
+        <a:bodyPr/>
+        <a:lstStyle/>
+        <a:p>
+          <a:endParaRPr lang="en-US"/>
+        </a:p>
+      </dgm:t>
     </dgm:pt>
     <dgm:pt modelId="{5A01EBD2-BC2C-4E0E-989C-83BC13B858C8}" type="pres">
       <dgm:prSet presAssocID="{35CE1790-33CE-414A-AB53-E06A052D2180}" presName="root2" presStyleCnt="0"/>
@@ -2318,10 +2447,24 @@
     <dgm:pt modelId="{9CEBCCEE-73C8-4232-BFB1-B69D41A3ECA0}" type="pres">
       <dgm:prSet presAssocID="{B908E2DE-9EB5-419B-87D5-F642A90EDBD2}" presName="conn2-1" presStyleLbl="parChTrans1D3" presStyleIdx="4" presStyleCnt="7"/>
       <dgm:spPr/>
+      <dgm:t>
+        <a:bodyPr/>
+        <a:lstStyle/>
+        <a:p>
+          <a:endParaRPr lang="en-US"/>
+        </a:p>
+      </dgm:t>
     </dgm:pt>
     <dgm:pt modelId="{24122BF0-2348-496F-BA89-AD8705FA5F65}" type="pres">
       <dgm:prSet presAssocID="{B908E2DE-9EB5-419B-87D5-F642A90EDBD2}" presName="connTx" presStyleLbl="parChTrans1D3" presStyleIdx="4" presStyleCnt="7"/>
       <dgm:spPr/>
+      <dgm:t>
+        <a:bodyPr/>
+        <a:lstStyle/>
+        <a:p>
+          <a:endParaRPr lang="en-US"/>
+        </a:p>
+      </dgm:t>
     </dgm:pt>
     <dgm:pt modelId="{C49943F1-4C1F-4B97-AD84-4DBFBF574FBC}" type="pres">
       <dgm:prSet presAssocID="{F098F2DE-E51C-42D1-B5BE-F8D52E8BA119}" presName="root2" presStyleCnt="0"/>
@@ -2334,6 +2477,13 @@
         </dgm:presLayoutVars>
       </dgm:prSet>
       <dgm:spPr/>
+      <dgm:t>
+        <a:bodyPr/>
+        <a:lstStyle/>
+        <a:p>
+          <a:endParaRPr lang="en-US"/>
+        </a:p>
+      </dgm:t>
     </dgm:pt>
     <dgm:pt modelId="{DCF99998-BBDE-4D07-BC61-9D095CD8B488}" type="pres">
       <dgm:prSet presAssocID="{F098F2DE-E51C-42D1-B5BE-F8D52E8BA119}" presName="level3hierChild" presStyleCnt="0"/>
@@ -2342,10 +2492,24 @@
     <dgm:pt modelId="{454CB2DC-1F37-407D-8367-F17FE97AA411}" type="pres">
       <dgm:prSet presAssocID="{5A708550-7102-4EC6-A86F-A695F79D4898}" presName="conn2-1" presStyleLbl="parChTrans1D3" presStyleIdx="5" presStyleCnt="7"/>
       <dgm:spPr/>
+      <dgm:t>
+        <a:bodyPr/>
+        <a:lstStyle/>
+        <a:p>
+          <a:endParaRPr lang="en-US"/>
+        </a:p>
+      </dgm:t>
     </dgm:pt>
     <dgm:pt modelId="{7E74DBE0-2717-4D35-9D3F-DBA696EA03F9}" type="pres">
       <dgm:prSet presAssocID="{5A708550-7102-4EC6-A86F-A695F79D4898}" presName="connTx" presStyleLbl="parChTrans1D3" presStyleIdx="5" presStyleCnt="7"/>
       <dgm:spPr/>
+      <dgm:t>
+        <a:bodyPr/>
+        <a:lstStyle/>
+        <a:p>
+          <a:endParaRPr lang="en-US"/>
+        </a:p>
+      </dgm:t>
     </dgm:pt>
     <dgm:pt modelId="{1A25AA86-FA0F-4431-AB55-206EE8D11132}" type="pres">
       <dgm:prSet presAssocID="{BED05BA1-13C4-44E6-9035-1009D70E0C8E}" presName="root2" presStyleCnt="0"/>
@@ -2373,10 +2537,24 @@
     <dgm:pt modelId="{2B7A151B-ED1C-4791-8233-374197140003}" type="pres">
       <dgm:prSet presAssocID="{431E69D2-3E8F-447F-951C-9FBC6539F934}" presName="conn2-1" presStyleLbl="parChTrans1D3" presStyleIdx="6" presStyleCnt="7"/>
       <dgm:spPr/>
+      <dgm:t>
+        <a:bodyPr/>
+        <a:lstStyle/>
+        <a:p>
+          <a:endParaRPr lang="en-US"/>
+        </a:p>
+      </dgm:t>
     </dgm:pt>
     <dgm:pt modelId="{C5D3EBD0-B6B5-454C-BDA9-CE64345F96B1}" type="pres">
       <dgm:prSet presAssocID="{431E69D2-3E8F-447F-951C-9FBC6539F934}" presName="connTx" presStyleLbl="parChTrans1D3" presStyleIdx="6" presStyleCnt="7"/>
       <dgm:spPr/>
+      <dgm:t>
+        <a:bodyPr/>
+        <a:lstStyle/>
+        <a:p>
+          <a:endParaRPr lang="en-US"/>
+        </a:p>
+      </dgm:t>
     </dgm:pt>
     <dgm:pt modelId="{2E834928-B3D3-4F53-BEED-8A28D8C5B2DB}" type="pres">
       <dgm:prSet presAssocID="{0BB8C659-D374-4603-8DAE-A464A473CC46}" presName="root2" presStyleCnt="0"/>
@@ -2389,6 +2567,13 @@
         </dgm:presLayoutVars>
       </dgm:prSet>
       <dgm:spPr/>
+      <dgm:t>
+        <a:bodyPr/>
+        <a:lstStyle/>
+        <a:p>
+          <a:endParaRPr lang="en-US"/>
+        </a:p>
+      </dgm:t>
     </dgm:pt>
     <dgm:pt modelId="{090BCA4D-776A-4D04-82CC-51A08B73ECC4}" type="pres">
       <dgm:prSet presAssocID="{0BB8C659-D374-4603-8DAE-A464A473CC46}" presName="level3hierChild" presStyleCnt="0"/>
@@ -2397,10 +2582,24 @@
     <dgm:pt modelId="{C1A3000D-9ACB-4FF4-A196-1491B080AC57}" type="pres">
       <dgm:prSet presAssocID="{E3D526ED-AFF5-492F-862D-B89C4C0ABA12}" presName="conn2-1" presStyleLbl="parChTrans1D2" presStyleIdx="3" presStyleCnt="4"/>
       <dgm:spPr/>
+      <dgm:t>
+        <a:bodyPr/>
+        <a:lstStyle/>
+        <a:p>
+          <a:endParaRPr lang="en-US"/>
+        </a:p>
+      </dgm:t>
     </dgm:pt>
     <dgm:pt modelId="{8751A30D-CB6E-4A1D-ABB9-1F206F272159}" type="pres">
       <dgm:prSet presAssocID="{E3D526ED-AFF5-492F-862D-B89C4C0ABA12}" presName="connTx" presStyleLbl="parChTrans1D2" presStyleIdx="3" presStyleCnt="4"/>
       <dgm:spPr/>
+      <dgm:t>
+        <a:bodyPr/>
+        <a:lstStyle/>
+        <a:p>
+          <a:endParaRPr lang="en-US"/>
+        </a:p>
+      </dgm:t>
     </dgm:pt>
     <dgm:pt modelId="{CA9EE1B3-857F-4BD5-A540-6864D3D00E1D}" type="pres">
       <dgm:prSet presAssocID="{37192674-C6CF-4B51-9414-52619F48D1A7}" presName="root2" presStyleCnt="0"/>
@@ -2413,6 +2612,13 @@
         </dgm:presLayoutVars>
       </dgm:prSet>
       <dgm:spPr/>
+      <dgm:t>
+        <a:bodyPr/>
+        <a:lstStyle/>
+        <a:p>
+          <a:endParaRPr lang="en-US"/>
+        </a:p>
+      </dgm:t>
     </dgm:pt>
     <dgm:pt modelId="{BDBA854D-EC29-40EB-82B9-C5EB43EA0832}" type="pres">
       <dgm:prSet presAssocID="{37192674-C6CF-4B51-9414-52619F48D1A7}" presName="level3hierChild" presStyleCnt="0"/>
@@ -2420,69 +2626,69 @@
     </dgm:pt>
   </dgm:ptLst>
   <dgm:cxnLst>
-    <dgm:cxn modelId="{683C1920-60F0-4C92-B16D-A048C7153325}" type="presOf" srcId="{2F0D9B3A-3790-44DB-AB00-789A8AC9D6F7}" destId="{E00D937A-E19A-4B84-B0CE-E4AEF94E8109}" srcOrd="0" destOrd="0" presId="urn:microsoft.com/office/officeart/2008/layout/HorizontalMultiLevelHierarchy"/>
-    <dgm:cxn modelId="{1FAA48F1-2174-431F-A9A0-BA689AAD0F0D}" type="presOf" srcId="{DEB14BC9-81A9-41B5-A294-78D12FE21B97}" destId="{B6041E19-44BC-44D0-A478-5048EF244E61}" srcOrd="0" destOrd="0" presId="urn:microsoft.com/office/officeart/2008/layout/HorizontalMultiLevelHierarchy"/>
+    <dgm:cxn modelId="{D630F018-86A8-4109-91DD-F5702983F470}" srcId="{B7F1BD51-D76F-4EC9-8774-008A79A18FCB}" destId="{24E27EC7-92B0-4CE6-B8D7-3DB318D077BA}" srcOrd="1" destOrd="0" parTransId="{9D7C506E-35F9-4AB0-81F9-D6A7626609FC}" sibTransId="{31C79ECB-B4F6-47D4-90AF-72354C1EA8BF}"/>
+    <dgm:cxn modelId="{4864B257-9ABB-43A3-9B2E-DEA0D3C6470B}" srcId="{24E27EC7-92B0-4CE6-B8D7-3DB318D077BA}" destId="{26F8EAA7-8A97-4168-9AC8-481D16C272F9}" srcOrd="1" destOrd="0" parTransId="{6E518202-013D-40D6-84E8-6614FFE34C4B}" sibTransId="{704B49C1-F7EB-4884-921A-A2029778E4BC}"/>
+    <dgm:cxn modelId="{54926A38-6AD4-4522-84D1-9711C1067F65}" type="presOf" srcId="{BDA1D446-75C4-4754-BB03-DCA1B6C0C8A1}" destId="{32243B4E-B4CB-4BDD-86BD-C2E01BF7D739}" srcOrd="0" destOrd="0" presId="urn:microsoft.com/office/officeart/2008/layout/HorizontalMultiLevelHierarchy"/>
+    <dgm:cxn modelId="{9DC28038-DCDA-439D-B4E6-515AD35C4354}" type="presOf" srcId="{0B71CD23-265E-40AA-9D89-FE6CFCCCD986}" destId="{FC976B38-A5DC-4949-B6A8-F9E7D4531E17}" srcOrd="0" destOrd="0" presId="urn:microsoft.com/office/officeart/2008/layout/HorizontalMultiLevelHierarchy"/>
+    <dgm:cxn modelId="{CACAE9C9-543F-4E94-90CB-B93A398B3AB2}" type="presOf" srcId="{2F0D9B3A-3790-44DB-AB00-789A8AC9D6F7}" destId="{D21E36AD-D51B-4FFF-BB87-F7587F4B22BB}" srcOrd="1" destOrd="0" presId="urn:microsoft.com/office/officeart/2008/layout/HorizontalMultiLevelHierarchy"/>
+    <dgm:cxn modelId="{8A79CFC5-22B5-4270-8DB1-7AE0C8328225}" type="presOf" srcId="{0BB8C659-D374-4603-8DAE-A464A473CC46}" destId="{00840B8B-FA04-42A6-A901-D1E31726B9D3}" srcOrd="0" destOrd="0" presId="urn:microsoft.com/office/officeart/2008/layout/HorizontalMultiLevelHierarchy"/>
+    <dgm:cxn modelId="{E67E1849-8D7C-4B3B-AB29-5B2EED3ECD26}" srcId="{B7F1BD51-D76F-4EC9-8774-008A79A18FCB}" destId="{0BB8C659-D374-4603-8DAE-A464A473CC46}" srcOrd="4" destOrd="0" parTransId="{431E69D2-3E8F-447F-951C-9FBC6539F934}" sibTransId="{649D1F1E-C975-4EF7-AEA3-8BB8932CCF1B}"/>
+    <dgm:cxn modelId="{6D44C055-84FD-40D5-A0AC-A9F6056A522E}" type="presOf" srcId="{6E518202-013D-40D6-84E8-6614FFE34C4B}" destId="{6692F967-7047-453F-9FB7-5BD0641F164A}" srcOrd="0" destOrd="0" presId="urn:microsoft.com/office/officeart/2008/layout/HorizontalMultiLevelHierarchy"/>
+    <dgm:cxn modelId="{F474DE24-EC96-4550-80A3-F062BDA48CDC}" type="presOf" srcId="{9653317B-5E13-4D0D-A3F4-0B784B0AB0B3}" destId="{402984F4-87B0-499F-B786-F87E5FD93086}" srcOrd="1" destOrd="0" presId="urn:microsoft.com/office/officeart/2008/layout/HorizontalMultiLevelHierarchy"/>
     <dgm:cxn modelId="{7BE12364-B36A-4E04-9975-6B6ABBAA87EC}" type="presOf" srcId="{0BACE3C3-1BC8-4F1E-B8E6-7E4600AA4B9F}" destId="{5310CB01-E75E-4488-B6FD-9A3EB5098630}" srcOrd="1" destOrd="0" presId="urn:microsoft.com/office/officeart/2008/layout/HorizontalMultiLevelHierarchy"/>
-    <dgm:cxn modelId="{2288EABB-C57E-42CB-A657-E1ED8075F624}" type="presOf" srcId="{0BACE3C3-1BC8-4F1E-B8E6-7E4600AA4B9F}" destId="{8F52E345-5F9B-4160-A13F-E858C8C34CF9}" srcOrd="0" destOrd="0" presId="urn:microsoft.com/office/officeart/2008/layout/HorizontalMultiLevelHierarchy"/>
-    <dgm:cxn modelId="{7FF4EB77-4E53-4A51-97DB-7B7517E65367}" type="presOf" srcId="{A5CC5D35-5DD5-46A6-A90F-ACD633ED9128}" destId="{6C6EAEBF-C129-4736-ABCB-0D36A8FA035F}" srcOrd="1" destOrd="0" presId="urn:microsoft.com/office/officeart/2008/layout/HorizontalMultiLevelHierarchy"/>
-    <dgm:cxn modelId="{AB545503-AE1F-4074-A35B-394E30C101A4}" type="presOf" srcId="{9D7C506E-35F9-4AB0-81F9-D6A7626609FC}" destId="{1421F7B0-A549-4327-90B2-CD9C6AA92AAA}" srcOrd="1" destOrd="0" presId="urn:microsoft.com/office/officeart/2008/layout/HorizontalMultiLevelHierarchy"/>
-    <dgm:cxn modelId="{396744AE-CD2D-4A8D-8FDE-646350FF556F}" srcId="{B7F1BD51-D76F-4EC9-8774-008A79A18FCB}" destId="{BDA1D446-75C4-4754-BB03-DCA1B6C0C8A1}" srcOrd="0" destOrd="0" parTransId="{0BACE3C3-1BC8-4F1E-B8E6-7E4600AA4B9F}" sibTransId="{F4D25D1A-7A97-4609-B8C0-CA514F2E5B51}"/>
     <dgm:cxn modelId="{D4CD1C0A-E323-4E6F-910F-BDA481FB139D}" type="presOf" srcId="{E5C50C8C-79EE-49AA-A17C-D80E2EA992EB}" destId="{157A5D32-1A95-4E97-8647-F32C2FC1240E}" srcOrd="0" destOrd="0" presId="urn:microsoft.com/office/officeart/2008/layout/HorizontalMultiLevelHierarchy"/>
+    <dgm:cxn modelId="{D3EE08BD-20B4-47ED-9045-7AF5BE16C012}" type="presOf" srcId="{37192674-C6CF-4B51-9414-52619F48D1A7}" destId="{8334C992-E347-4CB1-8431-89D86E7A3B72}" srcOrd="0" destOrd="0" presId="urn:microsoft.com/office/officeart/2008/layout/HorizontalMultiLevelHierarchy"/>
+    <dgm:cxn modelId="{26A41722-C793-40E7-B5F5-C24185AE2992}" type="presOf" srcId="{BED05BA1-13C4-44E6-9035-1009D70E0C8E}" destId="{81A468B8-978A-4EA8-9952-D187AC888706}" srcOrd="0" destOrd="0" presId="urn:microsoft.com/office/officeart/2008/layout/HorizontalMultiLevelHierarchy"/>
+    <dgm:cxn modelId="{DDF3C273-1ABA-4E8D-B996-103F2E4823ED}" srcId="{24E27EC7-92B0-4CE6-B8D7-3DB318D077BA}" destId="{805561F5-EA83-4CDD-9CF2-C8AC95BEBCC3}" srcOrd="0" destOrd="0" parTransId="{A5CC5D35-5DD5-46A6-A90F-ACD633ED9128}" sibTransId="{74444058-ED46-4203-9506-90E747459728}"/>
+    <dgm:cxn modelId="{993B6AC0-00E2-45E2-9334-161E3F79233B}" srcId="{24E27EC7-92B0-4CE6-B8D7-3DB318D077BA}" destId="{E5C50C8C-79EE-49AA-A17C-D80E2EA992EB}" srcOrd="2" destOrd="0" parTransId="{DEB14BC9-81A9-41B5-A294-78D12FE21B97}" sibTransId="{FC1BDAA0-C220-4C56-93DC-1DBE820BF1EC}"/>
+    <dgm:cxn modelId="{ACE3F28F-6A21-4DFF-A212-42DC4A52D265}" type="presOf" srcId="{B908E2DE-9EB5-419B-87D5-F642A90EDBD2}" destId="{24122BF0-2348-496F-BA89-AD8705FA5F65}" srcOrd="1" destOrd="0" presId="urn:microsoft.com/office/officeart/2008/layout/HorizontalMultiLevelHierarchy"/>
+    <dgm:cxn modelId="{1F8F7D30-23DD-4C4C-A0B9-09612F5B5413}" type="presOf" srcId="{0779EA4B-1FCE-4065-A41C-CF44A689435B}" destId="{F0E5050A-FFCB-429E-AD8C-2C5972027FD5}" srcOrd="0" destOrd="0" presId="urn:microsoft.com/office/officeart/2008/layout/HorizontalMultiLevelHierarchy"/>
     <dgm:cxn modelId="{9D62F05A-1C96-4690-B1D9-600417707C04}" type="presOf" srcId="{6BB09DEA-7D21-4D84-81BA-B8DD63C8A45E}" destId="{511800D7-4CF4-4687-88BD-3491ABACCCB5}" srcOrd="0" destOrd="0" presId="urn:microsoft.com/office/officeart/2008/layout/HorizontalMultiLevelHierarchy"/>
     <dgm:cxn modelId="{D994325D-FB4D-4C56-9D6E-DE0C4947908E}" type="presOf" srcId="{AC91E726-E191-4296-ACA3-3AF2428BA69B}" destId="{1C244A7F-13BC-44AC-8E16-3478B8E5D9F2}" srcOrd="0" destOrd="0" presId="urn:microsoft.com/office/officeart/2008/layout/HorizontalMultiLevelHierarchy"/>
+    <dgm:cxn modelId="{D6AEA696-FEC7-4EFF-8F9C-264EADAA32D7}" type="presOf" srcId="{9A7D380C-670C-48C6-971D-007D5D3DD42E}" destId="{869750FB-9FA8-43FB-B0AF-15C9FF1B89FC}" srcOrd="1" destOrd="0" presId="urn:microsoft.com/office/officeart/2008/layout/HorizontalMultiLevelHierarchy"/>
+    <dgm:cxn modelId="{9A5ED20D-6E1F-4D11-88F7-F1448FF033B1}" srcId="{24E27EC7-92B0-4CE6-B8D7-3DB318D077BA}" destId="{35CE1790-33CE-414A-AB53-E06A052D2180}" srcOrd="3" destOrd="0" parTransId="{ED5C5DCC-C16D-42D4-B283-675E02019722}" sibTransId="{C402CA80-BACA-4634-8391-4CC8B3FC298F}"/>
+    <dgm:cxn modelId="{F426A242-6718-4760-90F7-06D5494FD2E1}" type="presOf" srcId="{DEB14BC9-81A9-41B5-A294-78D12FE21B97}" destId="{FFADE67D-9853-42BB-B046-351CE2F3B1EF}" srcOrd="1" destOrd="0" presId="urn:microsoft.com/office/officeart/2008/layout/HorizontalMultiLevelHierarchy"/>
+    <dgm:cxn modelId="{AB545503-AE1F-4074-A35B-394E30C101A4}" type="presOf" srcId="{9D7C506E-35F9-4AB0-81F9-D6A7626609FC}" destId="{1421F7B0-A549-4327-90B2-CD9C6AA92AAA}" srcOrd="1" destOrd="0" presId="urn:microsoft.com/office/officeart/2008/layout/HorizontalMultiLevelHierarchy"/>
+    <dgm:cxn modelId="{B5BB88FE-DDD6-4EB5-9716-C89C9B70A5F2}" srcId="{A827F4EF-BD6C-4BE9-8D6D-DB73BE80A8D3}" destId="{6BB09DEA-7D21-4D84-81BA-B8DD63C8A45E}" srcOrd="1" destOrd="0" parTransId="{DA358B86-8069-4E85-83C5-D4E127501397}" sibTransId="{6FB1307D-A4D5-444F-A554-FF501EBB4A9F}"/>
+    <dgm:cxn modelId="{14BB0306-6D5A-46D0-8A5B-8B38D852CD8A}" srcId="{6BB09DEA-7D21-4D84-81BA-B8DD63C8A45E}" destId="{0B71CD23-265E-40AA-9D89-FE6CFCCCD986}" srcOrd="1" destOrd="0" parTransId="{9A7D380C-670C-48C6-971D-007D5D3DD42E}" sibTransId="{8FC7A74E-090F-4F39-9E9D-7801E1AD5719}"/>
+    <dgm:cxn modelId="{01E1534D-D035-4418-A8D3-0341A6E0D4C9}" type="presOf" srcId="{35CE1790-33CE-414A-AB53-E06A052D2180}" destId="{0AF98EC6-9D79-46AC-9446-BD92FE9927F4}" srcOrd="0" destOrd="0" presId="urn:microsoft.com/office/officeart/2008/layout/HorizontalMultiLevelHierarchy"/>
+    <dgm:cxn modelId="{8C8F22E4-AA59-454C-9BA4-07C8C8A43AC5}" srcId="{A827F4EF-BD6C-4BE9-8D6D-DB73BE80A8D3}" destId="{B7F1BD51-D76F-4EC9-8774-008A79A18FCB}" srcOrd="2" destOrd="0" parTransId="{2F0D9B3A-3790-44DB-AB00-789A8AC9D6F7}" sibTransId="{FD3AC942-16FE-4713-B783-DC61C134C49C}"/>
+    <dgm:cxn modelId="{7FF4EB77-4E53-4A51-97DB-7B7517E65367}" type="presOf" srcId="{A5CC5D35-5DD5-46A6-A90F-ACD633ED9128}" destId="{6C6EAEBF-C129-4736-ABCB-0D36A8FA035F}" srcOrd="1" destOrd="0" presId="urn:microsoft.com/office/officeart/2008/layout/HorizontalMultiLevelHierarchy"/>
+    <dgm:cxn modelId="{396744AE-CD2D-4A8D-8FDE-646350FF556F}" srcId="{B7F1BD51-D76F-4EC9-8774-008A79A18FCB}" destId="{BDA1D446-75C4-4754-BB03-DCA1B6C0C8A1}" srcOrd="0" destOrd="0" parTransId="{0BACE3C3-1BC8-4F1E-B8E6-7E4600AA4B9F}" sibTransId="{F4D25D1A-7A97-4609-B8C0-CA514F2E5B51}"/>
+    <dgm:cxn modelId="{BCD2CB0A-9BBF-4C36-AE08-4B962244CA6F}" type="presOf" srcId="{24E27EC7-92B0-4CE6-B8D7-3DB318D077BA}" destId="{970FB833-3199-4FC4-B156-45799EFAD2DB}" srcOrd="0" destOrd="0" presId="urn:microsoft.com/office/officeart/2008/layout/HorizontalMultiLevelHierarchy"/>
+    <dgm:cxn modelId="{8FA27E71-95FA-4596-A28B-A268347CE8B3}" type="presOf" srcId="{DA358B86-8069-4E85-83C5-D4E127501397}" destId="{04A36C04-9455-4270-835B-07546AC2D83B}" srcOrd="1" destOrd="0" presId="urn:microsoft.com/office/officeart/2008/layout/HorizontalMultiLevelHierarchy"/>
+    <dgm:cxn modelId="{3628111D-6B0B-4DF7-AAEA-0F32691931EE}" type="presOf" srcId="{A5CC5D35-5DD5-46A6-A90F-ACD633ED9128}" destId="{410AA857-C0B6-4666-AD67-1E407A56C2E2}" srcOrd="0" destOrd="0" presId="urn:microsoft.com/office/officeart/2008/layout/HorizontalMultiLevelHierarchy"/>
+    <dgm:cxn modelId="{40AB0598-81F9-4D30-B647-1423141A011F}" type="presOf" srcId="{5A708550-7102-4EC6-A86F-A695F79D4898}" destId="{7E74DBE0-2717-4D35-9D3F-DBA696EA03F9}" srcOrd="1" destOrd="0" presId="urn:microsoft.com/office/officeart/2008/layout/HorizontalMultiLevelHierarchy"/>
+    <dgm:cxn modelId="{652DD1BE-92FD-450D-B7BF-7316AE23B484}" type="presOf" srcId="{26F8EAA7-8A97-4168-9AC8-481D16C272F9}" destId="{193F399E-D4B1-477E-9F82-6A78E1C8B386}" srcOrd="0" destOrd="0" presId="urn:microsoft.com/office/officeart/2008/layout/HorizontalMultiLevelHierarchy"/>
+    <dgm:cxn modelId="{2CEE651D-D6E8-4FCB-9295-B2573582A200}" type="presOf" srcId="{DA358B86-8069-4E85-83C5-D4E127501397}" destId="{00A2BB97-97DF-4CF2-B94A-9D8B0EB4EA1B}" srcOrd="0" destOrd="0" presId="urn:microsoft.com/office/officeart/2008/layout/HorizontalMultiLevelHierarchy"/>
+    <dgm:cxn modelId="{F2DC6936-6701-4F41-A7E1-B7AB9467C72A}" type="presOf" srcId="{296AFADA-85CD-4182-B8AA-9582CC81A921}" destId="{CE5E57F2-344D-4135-BC79-1724957B2096}" srcOrd="0" destOrd="0" presId="urn:microsoft.com/office/officeart/2008/layout/HorizontalMultiLevelHierarchy"/>
+    <dgm:cxn modelId="{E3DFA369-FAE7-4E56-BD3A-062DC48F8571}" srcId="{0779EA4B-1FCE-4065-A41C-CF44A689435B}" destId="{A827F4EF-BD6C-4BE9-8D6D-DB73BE80A8D3}" srcOrd="0" destOrd="0" parTransId="{25594706-E6E3-4FBA-8026-6A9977401BB5}" sibTransId="{E72E602F-F17A-4E32-8A96-BC81E4AEBFDD}"/>
+    <dgm:cxn modelId="{9ECA35E2-1162-4AD4-853A-D02D64E95906}" type="presOf" srcId="{431E69D2-3E8F-447F-951C-9FBC6539F934}" destId="{C5D3EBD0-B6B5-454C-BDA9-CE64345F96B1}" srcOrd="1" destOrd="0" presId="urn:microsoft.com/office/officeart/2008/layout/HorizontalMultiLevelHierarchy"/>
+    <dgm:cxn modelId="{80861FD1-8C46-450B-BF8D-B3F5BB3010D7}" type="presOf" srcId="{431E69D2-3E8F-447F-951C-9FBC6539F934}" destId="{2B7A151B-ED1C-4791-8233-374197140003}" srcOrd="0" destOrd="0" presId="urn:microsoft.com/office/officeart/2008/layout/HorizontalMultiLevelHierarchy"/>
+    <dgm:cxn modelId="{683C1920-60F0-4C92-B16D-A048C7153325}" type="presOf" srcId="{2F0D9B3A-3790-44DB-AB00-789A8AC9D6F7}" destId="{E00D937A-E19A-4B84-B0CE-E4AEF94E8109}" srcOrd="0" destOrd="0" presId="urn:microsoft.com/office/officeart/2008/layout/HorizontalMultiLevelHierarchy"/>
+    <dgm:cxn modelId="{A9F7735C-07F4-46F5-A3EA-CF05EE83CB13}" type="presOf" srcId="{5A708550-7102-4EC6-A86F-A695F79D4898}" destId="{454CB2DC-1F37-407D-8367-F17FE97AA411}" srcOrd="0" destOrd="0" presId="urn:microsoft.com/office/officeart/2008/layout/HorizontalMultiLevelHierarchy"/>
+    <dgm:cxn modelId="{B43FA88C-F77A-4AAA-80B8-8B5F24578C4C}" type="presOf" srcId="{805561F5-EA83-4CDD-9CF2-C8AC95BEBCC3}" destId="{FD06ED58-D252-4312-873E-93FF3B8567E2}" srcOrd="0" destOrd="0" presId="urn:microsoft.com/office/officeart/2008/layout/HorizontalMultiLevelHierarchy"/>
+    <dgm:cxn modelId="{F59B7ED8-6498-449B-A71C-3188F21F9805}" srcId="{6BB09DEA-7D21-4D84-81BA-B8DD63C8A45E}" destId="{AC91E726-E191-4296-ACA3-3AF2428BA69B}" srcOrd="0" destOrd="0" parTransId="{296AFADA-85CD-4182-B8AA-9582CC81A921}" sibTransId="{33FA1311-B155-4DDB-BF00-71991B2357E6}"/>
+    <dgm:cxn modelId="{80657A4F-BD44-46A9-8EAE-E711171E0D9B}" srcId="{A827F4EF-BD6C-4BE9-8D6D-DB73BE80A8D3}" destId="{37192674-C6CF-4B51-9414-52619F48D1A7}" srcOrd="3" destOrd="0" parTransId="{E3D526ED-AFF5-492F-862D-B89C4C0ABA12}" sibTransId="{2CFC68C7-FD15-4CF7-9FCC-3D456EC14A1F}"/>
+    <dgm:cxn modelId="{86C225B8-B143-44A7-B252-4B75BE782368}" type="presOf" srcId="{9A7D380C-670C-48C6-971D-007D5D3DD42E}" destId="{F6CA0B86-9F02-4F91-9C18-E8A6366512CC}" srcOrd="0" destOrd="0" presId="urn:microsoft.com/office/officeart/2008/layout/HorizontalMultiLevelHierarchy"/>
+    <dgm:cxn modelId="{B2C15109-0944-40A3-A3DC-09AE45874F0B}" type="presOf" srcId="{B7F1BD51-D76F-4EC9-8774-008A79A18FCB}" destId="{966632C5-AB2D-40AC-A1DF-AABD4EDDEEDB}" srcOrd="0" destOrd="0" presId="urn:microsoft.com/office/officeart/2008/layout/HorizontalMultiLevelHierarchy"/>
+    <dgm:cxn modelId="{3B1036D1-C4AE-4471-B13F-060324DDAAC2}" type="presOf" srcId="{9D7C506E-35F9-4AB0-81F9-D6A7626609FC}" destId="{E7178DAB-C863-432D-8B35-CB2F141412A3}" srcOrd="0" destOrd="0" presId="urn:microsoft.com/office/officeart/2008/layout/HorizontalMultiLevelHierarchy"/>
+    <dgm:cxn modelId="{CB76E604-E102-4BA4-9DAA-D0855DB9DF52}" type="presOf" srcId="{B908E2DE-9EB5-419B-87D5-F642A90EDBD2}" destId="{9CEBCCEE-73C8-4232-BFB1-B69D41A3ECA0}" srcOrd="0" destOrd="0" presId="urn:microsoft.com/office/officeart/2008/layout/HorizontalMultiLevelHierarchy"/>
+    <dgm:cxn modelId="{1D87FA3F-4134-4300-B377-DD34A7B985CF}" type="presOf" srcId="{296AFADA-85CD-4182-B8AA-9582CC81A921}" destId="{64A21A78-85F4-47E4-BB35-630B8DF6AB2F}" srcOrd="1" destOrd="0" presId="urn:microsoft.com/office/officeart/2008/layout/HorizontalMultiLevelHierarchy"/>
+    <dgm:cxn modelId="{FE679AE2-1B2A-4BA5-A59A-7A473D4BE5C4}" type="presOf" srcId="{F098F2DE-E51C-42D1-B5BE-F8D52E8BA119}" destId="{189CC0DD-2611-4219-B3B9-A48F59259D9F}" srcOrd="0" destOrd="0" presId="urn:microsoft.com/office/officeart/2008/layout/HorizontalMultiLevelHierarchy"/>
+    <dgm:cxn modelId="{C5454851-DCF5-4EFC-AFD7-7510045A52B4}" type="presOf" srcId="{6E518202-013D-40D6-84E8-6614FFE34C4B}" destId="{E424DD18-86B0-44B3-85FE-951E0872E1D2}" srcOrd="1" destOrd="0" presId="urn:microsoft.com/office/officeart/2008/layout/HorizontalMultiLevelHierarchy"/>
+    <dgm:cxn modelId="{FC4E25B7-777C-4F1D-932F-377C01332DBA}" srcId="{A827F4EF-BD6C-4BE9-8D6D-DB73BE80A8D3}" destId="{27D8EFCA-06E0-4320-8B82-7EE1E902D7B2}" srcOrd="0" destOrd="0" parTransId="{9653317B-5E13-4D0D-A3F4-0B784B0AB0B3}" sibTransId="{6E07F396-F350-40CD-B2F2-7E8071C62CFF}"/>
+    <dgm:cxn modelId="{1FAA48F1-2174-431F-A9A0-BA689AAD0F0D}" type="presOf" srcId="{DEB14BC9-81A9-41B5-A294-78D12FE21B97}" destId="{B6041E19-44BC-44D0-A478-5048EF244E61}" srcOrd="0" destOrd="0" presId="urn:microsoft.com/office/officeart/2008/layout/HorizontalMultiLevelHierarchy"/>
     <dgm:cxn modelId="{8CE01169-72C9-4E48-9201-657CC308DFFD}" type="presOf" srcId="{ED5C5DCC-C16D-42D4-B283-675E02019722}" destId="{ABBB0174-0B58-48F9-A1AF-07EF065A9026}" srcOrd="0" destOrd="0" presId="urn:microsoft.com/office/officeart/2008/layout/HorizontalMultiLevelHierarchy"/>
-    <dgm:cxn modelId="{FE679AE2-1B2A-4BA5-A59A-7A473D4BE5C4}" type="presOf" srcId="{F098F2DE-E51C-42D1-B5BE-F8D52E8BA119}" destId="{189CC0DD-2611-4219-B3B9-A48F59259D9F}" srcOrd="0" destOrd="0" presId="urn:microsoft.com/office/officeart/2008/layout/HorizontalMultiLevelHierarchy"/>
-    <dgm:cxn modelId="{3B1036D1-C4AE-4471-B13F-060324DDAAC2}" type="presOf" srcId="{9D7C506E-35F9-4AB0-81F9-D6A7626609FC}" destId="{E7178DAB-C863-432D-8B35-CB2F141412A3}" srcOrd="0" destOrd="0" presId="urn:microsoft.com/office/officeart/2008/layout/HorizontalMultiLevelHierarchy"/>
-    <dgm:cxn modelId="{3B06C92F-DAF5-4673-A511-CFBAFC31791F}" type="presOf" srcId="{9653317B-5E13-4D0D-A3F4-0B784B0AB0B3}" destId="{AEBAC1DE-FC48-4C1D-B0AE-4FEC023F0F94}" srcOrd="0" destOrd="0" presId="urn:microsoft.com/office/officeart/2008/layout/HorizontalMultiLevelHierarchy"/>
-    <dgm:cxn modelId="{2B67D6BB-6E41-4055-ADE6-4148623ADCC4}" srcId="{B7F1BD51-D76F-4EC9-8774-008A79A18FCB}" destId="{F098F2DE-E51C-42D1-B5BE-F8D52E8BA119}" srcOrd="2" destOrd="0" parTransId="{B908E2DE-9EB5-419B-87D5-F642A90EDBD2}" sibTransId="{E94CB6D0-CDF6-45B2-AAB3-37E5AD98EADF}"/>
-    <dgm:cxn modelId="{DDF3C273-1ABA-4E8D-B996-103F2E4823ED}" srcId="{24E27EC7-92B0-4CE6-B8D7-3DB318D077BA}" destId="{805561F5-EA83-4CDD-9CF2-C8AC95BEBCC3}" srcOrd="0" destOrd="0" parTransId="{A5CC5D35-5DD5-46A6-A90F-ACD633ED9128}" sibTransId="{74444058-ED46-4203-9506-90E747459728}"/>
-    <dgm:cxn modelId="{26A41722-C793-40E7-B5F5-C24185AE2992}" type="presOf" srcId="{BED05BA1-13C4-44E6-9035-1009D70E0C8E}" destId="{81A468B8-978A-4EA8-9952-D187AC888706}" srcOrd="0" destOrd="0" presId="urn:microsoft.com/office/officeart/2008/layout/HorizontalMultiLevelHierarchy"/>
-    <dgm:cxn modelId="{1F8F7D30-23DD-4C4C-A0B9-09612F5B5413}" type="presOf" srcId="{0779EA4B-1FCE-4065-A41C-CF44A689435B}" destId="{F0E5050A-FFCB-429E-AD8C-2C5972027FD5}" srcOrd="0" destOrd="0" presId="urn:microsoft.com/office/officeart/2008/layout/HorizontalMultiLevelHierarchy"/>
-    <dgm:cxn modelId="{9DC28038-DCDA-439D-B4E6-515AD35C4354}" type="presOf" srcId="{0B71CD23-265E-40AA-9D89-FE6CFCCCD986}" destId="{FC976B38-A5DC-4949-B6A8-F9E7D4531E17}" srcOrd="0" destOrd="0" presId="urn:microsoft.com/office/officeart/2008/layout/HorizontalMultiLevelHierarchy"/>
+    <dgm:cxn modelId="{3D54D8EA-D98F-4D76-82DB-D86BB19671C7}" type="presOf" srcId="{ED5C5DCC-C16D-42D4-B283-675E02019722}" destId="{BFB309A6-F711-47A0-8183-D6D2E445C020}" srcOrd="1" destOrd="0" presId="urn:microsoft.com/office/officeart/2008/layout/HorizontalMultiLevelHierarchy"/>
+    <dgm:cxn modelId="{95AB6EF6-124A-45EF-A18E-C3DF69243BA2}" type="presOf" srcId="{E3D526ED-AFF5-492F-862D-B89C4C0ABA12}" destId="{C1A3000D-9ACB-4FF4-A196-1491B080AC57}" srcOrd="0" destOrd="0" presId="urn:microsoft.com/office/officeart/2008/layout/HorizontalMultiLevelHierarchy"/>
     <dgm:cxn modelId="{F7C07B6C-020E-44DE-B6BB-EA21D381100F}" type="presOf" srcId="{A827F4EF-BD6C-4BE9-8D6D-DB73BE80A8D3}" destId="{E74A3418-F6A4-4222-BBF5-F875E3B88B15}" srcOrd="0" destOrd="0" presId="urn:microsoft.com/office/officeart/2008/layout/HorizontalMultiLevelHierarchy"/>
-    <dgm:cxn modelId="{D630F018-86A8-4109-91DD-F5702983F470}" srcId="{B7F1BD51-D76F-4EC9-8774-008A79A18FCB}" destId="{24E27EC7-92B0-4CE6-B8D7-3DB318D077BA}" srcOrd="1" destOrd="0" parTransId="{9D7C506E-35F9-4AB0-81F9-D6A7626609FC}" sibTransId="{31C79ECB-B4F6-47D4-90AF-72354C1EA8BF}"/>
     <dgm:cxn modelId="{BFED0FA8-8A5E-4C2F-8AAD-168F80D34F5F}" type="presOf" srcId="{27D8EFCA-06E0-4320-8B82-7EE1E902D7B2}" destId="{42893AAE-0C31-4A93-BC14-D41B06EC7FDE}" srcOrd="0" destOrd="0" presId="urn:microsoft.com/office/officeart/2008/layout/HorizontalMultiLevelHierarchy"/>
     <dgm:cxn modelId="{FE5784AA-3B60-4904-A62B-7342B53AF819}" type="presOf" srcId="{E3D526ED-AFF5-492F-862D-B89C4C0ABA12}" destId="{8751A30D-CB6E-4A1D-ABB9-1F206F272159}" srcOrd="1" destOrd="0" presId="urn:microsoft.com/office/officeart/2008/layout/HorizontalMultiLevelHierarchy"/>
-    <dgm:cxn modelId="{D6AEA696-FEC7-4EFF-8F9C-264EADAA32D7}" type="presOf" srcId="{9A7D380C-670C-48C6-971D-007D5D3DD42E}" destId="{869750FB-9FA8-43FB-B0AF-15C9FF1B89FC}" srcOrd="1" destOrd="0" presId="urn:microsoft.com/office/officeart/2008/layout/HorizontalMultiLevelHierarchy"/>
-    <dgm:cxn modelId="{1D87FA3F-4134-4300-B377-DD34A7B985CF}" type="presOf" srcId="{296AFADA-85CD-4182-B8AA-9582CC81A921}" destId="{64A21A78-85F4-47E4-BB35-630B8DF6AB2F}" srcOrd="1" destOrd="0" presId="urn:microsoft.com/office/officeart/2008/layout/HorizontalMultiLevelHierarchy"/>
-    <dgm:cxn modelId="{8FA27E71-95FA-4596-A28B-A268347CE8B3}" type="presOf" srcId="{DA358B86-8069-4E85-83C5-D4E127501397}" destId="{04A36C04-9455-4270-835B-07546AC2D83B}" srcOrd="1" destOrd="0" presId="urn:microsoft.com/office/officeart/2008/layout/HorizontalMultiLevelHierarchy"/>
-    <dgm:cxn modelId="{D3EE08BD-20B4-47ED-9045-7AF5BE16C012}" type="presOf" srcId="{37192674-C6CF-4B51-9414-52619F48D1A7}" destId="{8334C992-E347-4CB1-8431-89D86E7A3B72}" srcOrd="0" destOrd="0" presId="urn:microsoft.com/office/officeart/2008/layout/HorizontalMultiLevelHierarchy"/>
-    <dgm:cxn modelId="{14BB0306-6D5A-46D0-8A5B-8B38D852CD8A}" srcId="{6BB09DEA-7D21-4D84-81BA-B8DD63C8A45E}" destId="{0B71CD23-265E-40AA-9D89-FE6CFCCCD986}" srcOrd="1" destOrd="0" parTransId="{9A7D380C-670C-48C6-971D-007D5D3DD42E}" sibTransId="{8FC7A74E-090F-4F39-9E9D-7801E1AD5719}"/>
-    <dgm:cxn modelId="{FC4E25B7-777C-4F1D-932F-377C01332DBA}" srcId="{A827F4EF-BD6C-4BE9-8D6D-DB73BE80A8D3}" destId="{27D8EFCA-06E0-4320-8B82-7EE1E902D7B2}" srcOrd="0" destOrd="0" parTransId="{9653317B-5E13-4D0D-A3F4-0B784B0AB0B3}" sibTransId="{6E07F396-F350-40CD-B2F2-7E8071C62CFF}"/>
-    <dgm:cxn modelId="{ACE3F28F-6A21-4DFF-A212-42DC4A52D265}" type="presOf" srcId="{B908E2DE-9EB5-419B-87D5-F642A90EDBD2}" destId="{24122BF0-2348-496F-BA89-AD8705FA5F65}" srcOrd="1" destOrd="0" presId="urn:microsoft.com/office/officeart/2008/layout/HorizontalMultiLevelHierarchy"/>
-    <dgm:cxn modelId="{B5BB88FE-DDD6-4EB5-9716-C89C9B70A5F2}" srcId="{A827F4EF-BD6C-4BE9-8D6D-DB73BE80A8D3}" destId="{6BB09DEA-7D21-4D84-81BA-B8DD63C8A45E}" srcOrd="1" destOrd="0" parTransId="{DA358B86-8069-4E85-83C5-D4E127501397}" sibTransId="{6FB1307D-A4D5-444F-A554-FF501EBB4A9F}"/>
-    <dgm:cxn modelId="{BCD2CB0A-9BBF-4C36-AE08-4B962244CA6F}" type="presOf" srcId="{24E27EC7-92B0-4CE6-B8D7-3DB318D077BA}" destId="{970FB833-3199-4FC4-B156-45799EFAD2DB}" srcOrd="0" destOrd="0" presId="urn:microsoft.com/office/officeart/2008/layout/HorizontalMultiLevelHierarchy"/>
-    <dgm:cxn modelId="{F474DE24-EC96-4550-80A3-F062BDA48CDC}" type="presOf" srcId="{9653317B-5E13-4D0D-A3F4-0B784B0AB0B3}" destId="{402984F4-87B0-499F-B786-F87E5FD93086}" srcOrd="1" destOrd="0" presId="urn:microsoft.com/office/officeart/2008/layout/HorizontalMultiLevelHierarchy"/>
-    <dgm:cxn modelId="{C5454851-DCF5-4EFC-AFD7-7510045A52B4}" type="presOf" srcId="{6E518202-013D-40D6-84E8-6614FFE34C4B}" destId="{E424DD18-86B0-44B3-85FE-951E0872E1D2}" srcOrd="1" destOrd="0" presId="urn:microsoft.com/office/officeart/2008/layout/HorizontalMultiLevelHierarchy"/>
-    <dgm:cxn modelId="{B2C15109-0944-40A3-A3DC-09AE45874F0B}" type="presOf" srcId="{B7F1BD51-D76F-4EC9-8774-008A79A18FCB}" destId="{966632C5-AB2D-40AC-A1DF-AABD4EDDEEDB}" srcOrd="0" destOrd="0" presId="urn:microsoft.com/office/officeart/2008/layout/HorizontalMultiLevelHierarchy"/>
-    <dgm:cxn modelId="{9A5ED20D-6E1F-4D11-88F7-F1448FF033B1}" srcId="{24E27EC7-92B0-4CE6-B8D7-3DB318D077BA}" destId="{35CE1790-33CE-414A-AB53-E06A052D2180}" srcOrd="3" destOrd="0" parTransId="{ED5C5DCC-C16D-42D4-B283-675E02019722}" sibTransId="{C402CA80-BACA-4634-8391-4CC8B3FC298F}"/>
-    <dgm:cxn modelId="{993B6AC0-00E2-45E2-9334-161E3F79233B}" srcId="{24E27EC7-92B0-4CE6-B8D7-3DB318D077BA}" destId="{E5C50C8C-79EE-49AA-A17C-D80E2EA992EB}" srcOrd="2" destOrd="0" parTransId="{DEB14BC9-81A9-41B5-A294-78D12FE21B97}" sibTransId="{FC1BDAA0-C220-4C56-93DC-1DBE820BF1EC}"/>
-    <dgm:cxn modelId="{6D44C055-84FD-40D5-A0AC-A9F6056A522E}" type="presOf" srcId="{6E518202-013D-40D6-84E8-6614FFE34C4B}" destId="{6692F967-7047-453F-9FB7-5BD0641F164A}" srcOrd="0" destOrd="0" presId="urn:microsoft.com/office/officeart/2008/layout/HorizontalMultiLevelHierarchy"/>
-    <dgm:cxn modelId="{01E1534D-D035-4418-A8D3-0341A6E0D4C9}" type="presOf" srcId="{35CE1790-33CE-414A-AB53-E06A052D2180}" destId="{0AF98EC6-9D79-46AC-9446-BD92FE9927F4}" srcOrd="0" destOrd="0" presId="urn:microsoft.com/office/officeart/2008/layout/HorizontalMultiLevelHierarchy"/>
-    <dgm:cxn modelId="{95AB6EF6-124A-45EF-A18E-C3DF69243BA2}" type="presOf" srcId="{E3D526ED-AFF5-492F-862D-B89C4C0ABA12}" destId="{C1A3000D-9ACB-4FF4-A196-1491B080AC57}" srcOrd="0" destOrd="0" presId="urn:microsoft.com/office/officeart/2008/layout/HorizontalMultiLevelHierarchy"/>
-    <dgm:cxn modelId="{3628111D-6B0B-4DF7-AAEA-0F32691931EE}" type="presOf" srcId="{A5CC5D35-5DD5-46A6-A90F-ACD633ED9128}" destId="{410AA857-C0B6-4666-AD67-1E407A56C2E2}" srcOrd="0" destOrd="0" presId="urn:microsoft.com/office/officeart/2008/layout/HorizontalMultiLevelHierarchy"/>
-    <dgm:cxn modelId="{652DD1BE-92FD-450D-B7BF-7316AE23B484}" type="presOf" srcId="{26F8EAA7-8A97-4168-9AC8-481D16C272F9}" destId="{193F399E-D4B1-477E-9F82-6A78E1C8B386}" srcOrd="0" destOrd="0" presId="urn:microsoft.com/office/officeart/2008/layout/HorizontalMultiLevelHierarchy"/>
-    <dgm:cxn modelId="{E3DFA369-FAE7-4E56-BD3A-062DC48F8571}" srcId="{0779EA4B-1FCE-4065-A41C-CF44A689435B}" destId="{A827F4EF-BD6C-4BE9-8D6D-DB73BE80A8D3}" srcOrd="0" destOrd="0" parTransId="{25594706-E6E3-4FBA-8026-6A9977401BB5}" sibTransId="{E72E602F-F17A-4E32-8A96-BC81E4AEBFDD}"/>
-    <dgm:cxn modelId="{3D54D8EA-D98F-4D76-82DB-D86BB19671C7}" type="presOf" srcId="{ED5C5DCC-C16D-42D4-B283-675E02019722}" destId="{BFB309A6-F711-47A0-8183-D6D2E445C020}" srcOrd="1" destOrd="0" presId="urn:microsoft.com/office/officeart/2008/layout/HorizontalMultiLevelHierarchy"/>
-    <dgm:cxn modelId="{80657A4F-BD44-46A9-8EAE-E711171E0D9B}" srcId="{A827F4EF-BD6C-4BE9-8D6D-DB73BE80A8D3}" destId="{37192674-C6CF-4B51-9414-52619F48D1A7}" srcOrd="3" destOrd="0" parTransId="{E3D526ED-AFF5-492F-862D-B89C4C0ABA12}" sibTransId="{2CFC68C7-FD15-4CF7-9FCC-3D456EC14A1F}"/>
-    <dgm:cxn modelId="{E67E1849-8D7C-4B3B-AB29-5B2EED3ECD26}" srcId="{B7F1BD51-D76F-4EC9-8774-008A79A18FCB}" destId="{0BB8C659-D374-4603-8DAE-A464A473CC46}" srcOrd="4" destOrd="0" parTransId="{431E69D2-3E8F-447F-951C-9FBC6539F934}" sibTransId="{649D1F1E-C975-4EF7-AEA3-8BB8932CCF1B}"/>
-    <dgm:cxn modelId="{80861FD1-8C46-450B-BF8D-B3F5BB3010D7}" type="presOf" srcId="{431E69D2-3E8F-447F-951C-9FBC6539F934}" destId="{2B7A151B-ED1C-4791-8233-374197140003}" srcOrd="0" destOrd="0" presId="urn:microsoft.com/office/officeart/2008/layout/HorizontalMultiLevelHierarchy"/>
-    <dgm:cxn modelId="{8C8F22E4-AA59-454C-9BA4-07C8C8A43AC5}" srcId="{A827F4EF-BD6C-4BE9-8D6D-DB73BE80A8D3}" destId="{B7F1BD51-D76F-4EC9-8774-008A79A18FCB}" srcOrd="2" destOrd="0" parTransId="{2F0D9B3A-3790-44DB-AB00-789A8AC9D6F7}" sibTransId="{FD3AC942-16FE-4713-B783-DC61C134C49C}"/>
-    <dgm:cxn modelId="{40AB0598-81F9-4D30-B647-1423141A011F}" type="presOf" srcId="{5A708550-7102-4EC6-A86F-A695F79D4898}" destId="{7E74DBE0-2717-4D35-9D3F-DBA696EA03F9}" srcOrd="1" destOrd="0" presId="urn:microsoft.com/office/officeart/2008/layout/HorizontalMultiLevelHierarchy"/>
-    <dgm:cxn modelId="{9ECA35E2-1162-4AD4-853A-D02D64E95906}" type="presOf" srcId="{431E69D2-3E8F-447F-951C-9FBC6539F934}" destId="{C5D3EBD0-B6B5-454C-BDA9-CE64345F96B1}" srcOrd="1" destOrd="0" presId="urn:microsoft.com/office/officeart/2008/layout/HorizontalMultiLevelHierarchy"/>
-    <dgm:cxn modelId="{8A79CFC5-22B5-4270-8DB1-7AE0C8328225}" type="presOf" srcId="{0BB8C659-D374-4603-8DAE-A464A473CC46}" destId="{00840B8B-FA04-42A6-A901-D1E31726B9D3}" srcOrd="0" destOrd="0" presId="urn:microsoft.com/office/officeart/2008/layout/HorizontalMultiLevelHierarchy"/>
-    <dgm:cxn modelId="{2CEE651D-D6E8-4FCB-9295-B2573582A200}" type="presOf" srcId="{DA358B86-8069-4E85-83C5-D4E127501397}" destId="{00A2BB97-97DF-4CF2-B94A-9D8B0EB4EA1B}" srcOrd="0" destOrd="0" presId="urn:microsoft.com/office/officeart/2008/layout/HorizontalMultiLevelHierarchy"/>
-    <dgm:cxn modelId="{4864B257-9ABB-43A3-9B2E-DEA0D3C6470B}" srcId="{24E27EC7-92B0-4CE6-B8D7-3DB318D077BA}" destId="{26F8EAA7-8A97-4168-9AC8-481D16C272F9}" srcOrd="1" destOrd="0" parTransId="{6E518202-013D-40D6-84E8-6614FFE34C4B}" sibTransId="{704B49C1-F7EB-4884-921A-A2029778E4BC}"/>
-    <dgm:cxn modelId="{F59B7ED8-6498-449B-A71C-3188F21F9805}" srcId="{6BB09DEA-7D21-4D84-81BA-B8DD63C8A45E}" destId="{AC91E726-E191-4296-ACA3-3AF2428BA69B}" srcOrd="0" destOrd="0" parTransId="{296AFADA-85CD-4182-B8AA-9582CC81A921}" sibTransId="{33FA1311-B155-4DDB-BF00-71991B2357E6}"/>
-    <dgm:cxn modelId="{54926A38-6AD4-4522-84D1-9711C1067F65}" type="presOf" srcId="{BDA1D446-75C4-4754-BB03-DCA1B6C0C8A1}" destId="{32243B4E-B4CB-4BDD-86BD-C2E01BF7D739}" srcOrd="0" destOrd="0" presId="urn:microsoft.com/office/officeart/2008/layout/HorizontalMultiLevelHierarchy"/>
-    <dgm:cxn modelId="{F2DC6936-6701-4F41-A7E1-B7AB9467C72A}" type="presOf" srcId="{296AFADA-85CD-4182-B8AA-9582CC81A921}" destId="{CE5E57F2-344D-4135-BC79-1724957B2096}" srcOrd="0" destOrd="0" presId="urn:microsoft.com/office/officeart/2008/layout/HorizontalMultiLevelHierarchy"/>
-    <dgm:cxn modelId="{CB76E604-E102-4BA4-9DAA-D0855DB9DF52}" type="presOf" srcId="{B908E2DE-9EB5-419B-87D5-F642A90EDBD2}" destId="{9CEBCCEE-73C8-4232-BFB1-B69D41A3ECA0}" srcOrd="0" destOrd="0" presId="urn:microsoft.com/office/officeart/2008/layout/HorizontalMultiLevelHierarchy"/>
-    <dgm:cxn modelId="{86C225B8-B143-44A7-B252-4B75BE782368}" type="presOf" srcId="{9A7D380C-670C-48C6-971D-007D5D3DD42E}" destId="{F6CA0B86-9F02-4F91-9C18-E8A6366512CC}" srcOrd="0" destOrd="0" presId="urn:microsoft.com/office/officeart/2008/layout/HorizontalMultiLevelHierarchy"/>
-    <dgm:cxn modelId="{A9F7735C-07F4-46F5-A3EA-CF05EE83CB13}" type="presOf" srcId="{5A708550-7102-4EC6-A86F-A695F79D4898}" destId="{454CB2DC-1F37-407D-8367-F17FE97AA411}" srcOrd="0" destOrd="0" presId="urn:microsoft.com/office/officeart/2008/layout/HorizontalMultiLevelHierarchy"/>
+    <dgm:cxn modelId="{2B67D6BB-6E41-4055-ADE6-4148623ADCC4}" srcId="{B7F1BD51-D76F-4EC9-8774-008A79A18FCB}" destId="{F098F2DE-E51C-42D1-B5BE-F8D52E8BA119}" srcOrd="2" destOrd="0" parTransId="{B908E2DE-9EB5-419B-87D5-F642A90EDBD2}" sibTransId="{E94CB6D0-CDF6-45B2-AAB3-37E5AD98EADF}"/>
     <dgm:cxn modelId="{38978715-6044-4B73-BBB7-6B36BD699155}" srcId="{B7F1BD51-D76F-4EC9-8774-008A79A18FCB}" destId="{BED05BA1-13C4-44E6-9035-1009D70E0C8E}" srcOrd="3" destOrd="0" parTransId="{5A708550-7102-4EC6-A86F-A695F79D4898}" sibTransId="{00D9138A-CBD6-4B79-8F13-FC1B3DD84EB8}"/>
-    <dgm:cxn modelId="{B43FA88C-F77A-4AAA-80B8-8B5F24578C4C}" type="presOf" srcId="{805561F5-EA83-4CDD-9CF2-C8AC95BEBCC3}" destId="{FD06ED58-D252-4312-873E-93FF3B8567E2}" srcOrd="0" destOrd="0" presId="urn:microsoft.com/office/officeart/2008/layout/HorizontalMultiLevelHierarchy"/>
-    <dgm:cxn modelId="{F426A242-6718-4760-90F7-06D5494FD2E1}" type="presOf" srcId="{DEB14BC9-81A9-41B5-A294-78D12FE21B97}" destId="{FFADE67D-9853-42BB-B046-351CE2F3B1EF}" srcOrd="1" destOrd="0" presId="urn:microsoft.com/office/officeart/2008/layout/HorizontalMultiLevelHierarchy"/>
-    <dgm:cxn modelId="{CACAE9C9-543F-4E94-90CB-B93A398B3AB2}" type="presOf" srcId="{2F0D9B3A-3790-44DB-AB00-789A8AC9D6F7}" destId="{D21E36AD-D51B-4FFF-BB87-F7587F4B22BB}" srcOrd="1" destOrd="0" presId="urn:microsoft.com/office/officeart/2008/layout/HorizontalMultiLevelHierarchy"/>
+    <dgm:cxn modelId="{3B06C92F-DAF5-4673-A511-CFBAFC31791F}" type="presOf" srcId="{9653317B-5E13-4D0D-A3F4-0B784B0AB0B3}" destId="{AEBAC1DE-FC48-4C1D-B0AE-4FEC023F0F94}" srcOrd="0" destOrd="0" presId="urn:microsoft.com/office/officeart/2008/layout/HorizontalMultiLevelHierarchy"/>
+    <dgm:cxn modelId="{2288EABB-C57E-42CB-A657-E1ED8075F624}" type="presOf" srcId="{0BACE3C3-1BC8-4F1E-B8E6-7E4600AA4B9F}" destId="{8F52E345-5F9B-4160-A13F-E858C8C34CF9}" srcOrd="0" destOrd="0" presId="urn:microsoft.com/office/officeart/2008/layout/HorizontalMultiLevelHierarchy"/>
     <dgm:cxn modelId="{A2C5A3C9-F641-46B4-8313-D85BFB70477D}" type="presParOf" srcId="{F0E5050A-FFCB-429E-AD8C-2C5972027FD5}" destId="{140F52CA-533E-469B-9F0A-619030FDC88B}" srcOrd="0" destOrd="0" presId="urn:microsoft.com/office/officeart/2008/layout/HorizontalMultiLevelHierarchy"/>
     <dgm:cxn modelId="{A469CBCF-55C9-4F7B-84A5-FF8682970E1F}" type="presParOf" srcId="{140F52CA-533E-469B-9F0A-619030FDC88B}" destId="{E74A3418-F6A4-4222-BBF5-F875E3B88B15}" srcOrd="0" destOrd="0" presId="urn:microsoft.com/office/officeart/2008/layout/HorizontalMultiLevelHierarchy"/>
     <dgm:cxn modelId="{85E4264E-E6AA-43EE-992C-F4847FCFAC2A}" type="presParOf" srcId="{140F52CA-533E-469B-9F0A-619030FDC88B}" destId="{EF61250D-9308-4CA3-ACDC-5707F8C9DCEC}" srcOrd="1" destOrd="0" presId="urn:microsoft.com/office/officeart/2008/layout/HorizontalMultiLevelHierarchy"/>
@@ -2566,7 +2772,7 @@
   <dgm:whole/>
   <dgm:extLst>
     <a:ext uri="http://schemas.microsoft.com/office/drawing/2008/diagram">
-      <dsp:dataModelExt xmlns:dsp="http://schemas.microsoft.com/office/drawing/2008/diagram" relId="rId6" minVer="http://schemas.openxmlformats.org/drawingml/2006/diagram"/>
+      <dsp:dataModelExt xmlns:dsp="http://schemas.microsoft.com/office/drawing/2008/diagram" relId="rId7" minVer="http://schemas.openxmlformats.org/drawingml/2006/diagram"/>
     </a:ext>
   </dgm:extLst>
 </dgm:dataModel>
@@ -4416,15 +4622,7 @@
               <a:ea typeface="Verdana" panose="020B0604030504040204" pitchFamily="34" charset="0"/>
               <a:cs typeface="Verdana" panose="020B0604030504040204" pitchFamily="34" charset="0"/>
             </a:rPr>
-            <a:t>Metadata </a:t>
-          </a:r>
-          <a:r>
-            <a:rPr lang="en-US" sz="1600" kern="1200" dirty="0" smtClean="0">
-              <a:latin typeface="Verdana" panose="020B0604030504040204" pitchFamily="34" charset="0"/>
-              <a:ea typeface="Verdana" panose="020B0604030504040204" pitchFamily="34" charset="0"/>
-              <a:cs typeface="Verdana" panose="020B0604030504040204" pitchFamily="34" charset="0"/>
-            </a:rPr>
-            <a:t>Info{}</a:t>
+            <a:t>Metadata Info{}</a:t>
           </a:r>
           <a:endParaRPr lang="en-US" sz="1600" kern="1200" dirty="0">
             <a:latin typeface="Verdana" panose="020B0604030504040204" pitchFamily="34" charset="0"/>
@@ -4497,15 +4695,7 @@
               <a:ea typeface="Verdana" panose="020B0604030504040204" pitchFamily="34" charset="0"/>
               <a:cs typeface="Verdana" panose="020B0604030504040204" pitchFamily="34" charset="0"/>
             </a:rPr>
-            <a:t>Resource </a:t>
-          </a:r>
-          <a:r>
-            <a:rPr lang="en-US" sz="1600" kern="1200" dirty="0" smtClean="0">
-              <a:latin typeface="Verdana" panose="020B0604030504040204" pitchFamily="34" charset="0"/>
-              <a:ea typeface="Verdana" panose="020B0604030504040204" pitchFamily="34" charset="0"/>
-              <a:cs typeface="Verdana" panose="020B0604030504040204" pitchFamily="34" charset="0"/>
-            </a:rPr>
-            <a:t>Info{}</a:t>
+            <a:t>Resource Info{}</a:t>
           </a:r>
           <a:endParaRPr lang="en-US" sz="1600" kern="1200" dirty="0">
             <a:latin typeface="Verdana" panose="020B0604030504040204" pitchFamily="34" charset="0"/>
@@ -4663,11 +4853,6 @@
             </a:rPr>
             <a:t>Keywords[]</a:t>
           </a:r>
-          <a:endParaRPr lang="en-US" sz="1600" kern="1200" dirty="0" smtClean="0">
-            <a:latin typeface="Verdana" panose="020B0604030504040204" pitchFamily="34" charset="0"/>
-            <a:ea typeface="Verdana" panose="020B0604030504040204" pitchFamily="34" charset="0"/>
-            <a:cs typeface="Verdana" panose="020B0604030504040204" pitchFamily="34" charset="0"/>
-          </a:endParaRPr>
         </a:p>
       </dsp:txBody>
       <dsp:txXfrm>
@@ -4741,11 +4926,6 @@
             </a:rPr>
             <a:t>Extents[]</a:t>
           </a:r>
-          <a:endParaRPr lang="en-US" sz="1600" kern="1200" dirty="0" smtClean="0">
-            <a:latin typeface="Verdana" panose="020B0604030504040204" pitchFamily="34" charset="0"/>
-            <a:ea typeface="Verdana" panose="020B0604030504040204" pitchFamily="34" charset="0"/>
-            <a:cs typeface="Verdana" panose="020B0604030504040204" pitchFamily="34" charset="0"/>
-          </a:endParaRPr>
         </a:p>
       </dsp:txBody>
       <dsp:txXfrm>
@@ -4819,11 +4999,6 @@
             </a:rPr>
             <a:t>...</a:t>
           </a:r>
-          <a:endParaRPr lang="en-US" sz="4000" b="1" kern="1200" dirty="0" smtClean="0">
-            <a:latin typeface="Arial Rounded MT Bold" panose="020F0704030504030204" pitchFamily="34" charset="0"/>
-            <a:ea typeface="Verdana" panose="020B0604030504040204" pitchFamily="34" charset="0"/>
-            <a:cs typeface="Verdana" panose="020B0604030504040204" pitchFamily="34" charset="0"/>
-          </a:endParaRPr>
         </a:p>
       </dsp:txBody>
       <dsp:txXfrm>
@@ -4967,15 +5142,7 @@
               <a:ea typeface="Verdana" panose="020B0604030504040204" pitchFamily="34" charset="0"/>
               <a:cs typeface="Verdana" panose="020B0604030504040204" pitchFamily="34" charset="0"/>
             </a:rPr>
-            <a:t>Associated </a:t>
-          </a:r>
-          <a:r>
-            <a:rPr lang="en-US" sz="1600" kern="1200" dirty="0" smtClean="0">
-              <a:latin typeface="Verdana" panose="020B0604030504040204" pitchFamily="34" charset="0"/>
-              <a:ea typeface="Verdana" panose="020B0604030504040204" pitchFamily="34" charset="0"/>
-              <a:cs typeface="Verdana" panose="020B0604030504040204" pitchFamily="34" charset="0"/>
-            </a:rPr>
-            <a:t>Resources[]</a:t>
+            <a:t>Associated Resources[]</a:t>
           </a:r>
           <a:endParaRPr lang="en-US" sz="1600" kern="1200" dirty="0">
             <a:latin typeface="Verdana" panose="020B0604030504040204" pitchFamily="34" charset="0"/>
@@ -5128,15 +5295,7 @@
               <a:ea typeface="Verdana" panose="020B0604030504040204" pitchFamily="34" charset="0"/>
               <a:cs typeface="Verdana" panose="020B0604030504040204" pitchFamily="34" charset="0"/>
             </a:rPr>
-            <a:t>Data </a:t>
-          </a:r>
-          <a:r>
-            <a:rPr lang="en-US" sz="1600" kern="1200" dirty="0" smtClean="0">
-              <a:latin typeface="Verdana" panose="020B0604030504040204" pitchFamily="34" charset="0"/>
-              <a:ea typeface="Verdana" panose="020B0604030504040204" pitchFamily="34" charset="0"/>
-              <a:cs typeface="Verdana" panose="020B0604030504040204" pitchFamily="34" charset="0"/>
-            </a:rPr>
-            <a:t>Dictionary[]</a:t>
+            <a:t>Data Dictionary[]</a:t>
           </a:r>
           <a:endParaRPr lang="en-US" sz="1600" kern="1200" dirty="0">
             <a:latin typeface="Verdana" panose="020B0604030504040204" pitchFamily="34" charset="0"/>
@@ -6593,7 +6752,7 @@
           <a:p>
             <a:fld id="{8569B522-8390-453B-A8F0-3C96BAC841F8}" type="datetimeFigureOut">
               <a:rPr lang="en-US" smtClean="0"/>
-              <a:t>5/8/2015</a:t>
+              <a:t>5/10/2015</a:t>
             </a:fld>
             <a:endParaRPr lang="en-US" dirty="0"/>
           </a:p>
@@ -7027,6 +7186,106 @@
           <a:bodyPr/>
           <a:lstStyle/>
           <a:p>
+            <a:r>
+              <a:rPr lang="en-US" dirty="0" smtClean="0"/>
+              <a:t>Contacts</a:t>
+            </a:r>
+            <a:r>
+              <a:rPr lang="en-US" baseline="0" dirty="0" smtClean="0"/>
+              <a:t> is an array that contains a list of all contacts found in the </a:t>
+            </a:r>
+            <a:r>
+              <a:rPr lang="en-US" baseline="0" dirty="0" err="1" smtClean="0"/>
+              <a:t>mdJSON</a:t>
+            </a:r>
+            <a:r>
+              <a:rPr lang="en-US" baseline="0" dirty="0" smtClean="0"/>
+              <a:t> document. Each contact is assigned a unique id, which is used to reference the contact throughout the document. This avoids the need to store the entire contact multiple times.</a:t>
+            </a:r>
+            <a:endParaRPr lang="en-US" dirty="0"/>
+          </a:p>
+        </p:txBody>
+      </p:sp>
+      <p:sp>
+        <p:nvSpPr>
+          <p:cNvPr id="4" name="Slide Number Placeholder 3"/>
+          <p:cNvSpPr>
+            <a:spLocks noGrp="1"/>
+          </p:cNvSpPr>
+          <p:nvPr>
+            <p:ph type="sldNum" sz="quarter" idx="10"/>
+          </p:nvPr>
+        </p:nvSpPr>
+        <p:spPr/>
+        <p:txBody>
+          <a:bodyPr/>
+          <a:lstStyle/>
+          <a:p>
+            <a:fld id="{86E298D3-FAEC-4429-BBB2-6E24FE792F56}" type="slidenum">
+              <a:rPr lang="en-US" smtClean="0"/>
+              <a:t>2</a:t>
+            </a:fld>
+            <a:endParaRPr lang="en-US" dirty="0"/>
+          </a:p>
+        </p:txBody>
+      </p:sp>
+    </p:spTree>
+    <p:extLst>
+      <p:ext uri="{BB962C8B-B14F-4D97-AF65-F5344CB8AC3E}">
+        <p14:creationId xmlns:p14="http://schemas.microsoft.com/office/powerpoint/2010/main" val="1548697058"/>
+      </p:ext>
+    </p:extLst>
+  </p:cSld>
+  <p:clrMapOvr>
+    <a:masterClrMapping/>
+  </p:clrMapOvr>
+</p:notes>
+</file>
+
+<file path=ppt/notesSlides/notesSlide3.xml><?xml version="1.0" encoding="utf-8"?>
+<p:notes xmlns:a="http://schemas.openxmlformats.org/drawingml/2006/main" xmlns:r="http://schemas.openxmlformats.org/officeDocument/2006/relationships" xmlns:p="http://schemas.openxmlformats.org/presentationml/2006/main">
+  <p:cSld>
+    <p:spTree>
+      <p:nvGrpSpPr>
+        <p:cNvPr id="1" name=""/>
+        <p:cNvGrpSpPr/>
+        <p:nvPr/>
+      </p:nvGrpSpPr>
+      <p:grpSpPr>
+        <a:xfrm>
+          <a:off x="0" y="0"/>
+          <a:ext cx="0" cy="0"/>
+          <a:chOff x="0" y="0"/>
+          <a:chExt cx="0" cy="0"/>
+        </a:xfrm>
+      </p:grpSpPr>
+      <p:sp>
+        <p:nvSpPr>
+          <p:cNvPr id="2" name="Slide Image Placeholder 1"/>
+          <p:cNvSpPr>
+            <a:spLocks noGrp="1" noRot="1" noChangeAspect="1"/>
+          </p:cNvSpPr>
+          <p:nvPr>
+            <p:ph type="sldImg"/>
+          </p:nvPr>
+        </p:nvSpPr>
+        <p:spPr/>
+      </p:sp>
+      <p:sp>
+        <p:nvSpPr>
+          <p:cNvPr id="3" name="Notes Placeholder 2"/>
+          <p:cNvSpPr>
+            <a:spLocks noGrp="1"/>
+          </p:cNvSpPr>
+          <p:nvPr>
+            <p:ph type="body" idx="1"/>
+          </p:nvPr>
+        </p:nvSpPr>
+        <p:spPr/>
+        <p:txBody>
+          <a:bodyPr/>
+          <a:lstStyle/>
+          <a:p>
             <a:pPr marL="0" marR="0" indent="0" algn="l" defTabSz="914400" rtl="0" eaLnBrk="1" fontAlgn="auto" latinLnBrk="0" hangingPunct="1">
               <a:lnSpc>
                 <a:spcPct val="100000"/>
@@ -7115,7 +7374,7 @@
           <a:p>
             <a:fld id="{86E298D3-FAEC-4429-BBB2-6E24FE792F56}" type="slidenum">
               <a:rPr lang="en-US" smtClean="0"/>
-              <a:t>5</a:t>
+              <a:t>6</a:t>
             </a:fld>
             <a:endParaRPr lang="en-US" dirty="0"/>
           </a:p>
@@ -7125,6 +7384,242 @@
     <p:extLst>
       <p:ext uri="{BB962C8B-B14F-4D97-AF65-F5344CB8AC3E}">
         <p14:creationId xmlns:p14="http://schemas.microsoft.com/office/powerpoint/2010/main" val="1138961462"/>
+      </p:ext>
+    </p:extLst>
+  </p:cSld>
+  <p:clrMapOvr>
+    <a:masterClrMapping/>
+  </p:clrMapOvr>
+</p:notes>
+</file>
+
+<file path=ppt/notesSlides/notesSlide4.xml><?xml version="1.0" encoding="utf-8"?>
+<p:notes xmlns:a="http://schemas.openxmlformats.org/drawingml/2006/main" xmlns:r="http://schemas.openxmlformats.org/officeDocument/2006/relationships" xmlns:p="http://schemas.openxmlformats.org/presentationml/2006/main">
+  <p:cSld>
+    <p:spTree>
+      <p:nvGrpSpPr>
+        <p:cNvPr id="1" name=""/>
+        <p:cNvGrpSpPr/>
+        <p:nvPr/>
+      </p:nvGrpSpPr>
+      <p:grpSpPr>
+        <a:xfrm>
+          <a:off x="0" y="0"/>
+          <a:ext cx="0" cy="0"/>
+          <a:chOff x="0" y="0"/>
+          <a:chExt cx="0" cy="0"/>
+        </a:xfrm>
+      </p:grpSpPr>
+      <p:sp>
+        <p:nvSpPr>
+          <p:cNvPr id="2" name="Slide Image Placeholder 1"/>
+          <p:cNvSpPr>
+            <a:spLocks noGrp="1" noRot="1" noChangeAspect="1"/>
+          </p:cNvSpPr>
+          <p:nvPr>
+            <p:ph type="sldImg"/>
+          </p:nvPr>
+        </p:nvSpPr>
+        <p:spPr/>
+      </p:sp>
+      <p:sp>
+        <p:nvSpPr>
+          <p:cNvPr id="3" name="Notes Placeholder 2"/>
+          <p:cNvSpPr>
+            <a:spLocks noGrp="1"/>
+          </p:cNvSpPr>
+          <p:nvPr>
+            <p:ph type="body" idx="1"/>
+          </p:nvPr>
+        </p:nvSpPr>
+        <p:spPr/>
+        <p:txBody>
+          <a:bodyPr/>
+          <a:lstStyle/>
+          <a:p>
+            <a:endParaRPr lang="en-US" dirty="0"/>
+          </a:p>
+        </p:txBody>
+      </p:sp>
+      <p:sp>
+        <p:nvSpPr>
+          <p:cNvPr id="4" name="Slide Number Placeholder 3"/>
+          <p:cNvSpPr>
+            <a:spLocks noGrp="1"/>
+          </p:cNvSpPr>
+          <p:nvPr>
+            <p:ph type="sldNum" sz="quarter" idx="10"/>
+          </p:nvPr>
+        </p:nvSpPr>
+        <p:spPr/>
+        <p:txBody>
+          <a:bodyPr/>
+          <a:lstStyle/>
+          <a:p>
+            <a:fld id="{86E298D3-FAEC-4429-BBB2-6E24FE792F56}" type="slidenum">
+              <a:rPr lang="en-US" smtClean="0"/>
+              <a:t>7</a:t>
+            </a:fld>
+            <a:endParaRPr lang="en-US" dirty="0"/>
+          </a:p>
+        </p:txBody>
+      </p:sp>
+    </p:spTree>
+    <p:extLst>
+      <p:ext uri="{BB962C8B-B14F-4D97-AF65-F5344CB8AC3E}">
+        <p14:creationId xmlns:p14="http://schemas.microsoft.com/office/powerpoint/2010/main" val="1090446072"/>
+      </p:ext>
+    </p:extLst>
+  </p:cSld>
+  <p:clrMapOvr>
+    <a:masterClrMapping/>
+  </p:clrMapOvr>
+</p:notes>
+</file>
+
+<file path=ppt/notesSlides/notesSlide5.xml><?xml version="1.0" encoding="utf-8"?>
+<p:notes xmlns:a="http://schemas.openxmlformats.org/drawingml/2006/main" xmlns:r="http://schemas.openxmlformats.org/officeDocument/2006/relationships" xmlns:p="http://schemas.openxmlformats.org/presentationml/2006/main">
+  <p:cSld>
+    <p:spTree>
+      <p:nvGrpSpPr>
+        <p:cNvPr id="1" name=""/>
+        <p:cNvGrpSpPr/>
+        <p:nvPr/>
+      </p:nvGrpSpPr>
+      <p:grpSpPr>
+        <a:xfrm>
+          <a:off x="0" y="0"/>
+          <a:ext cx="0" cy="0"/>
+          <a:chOff x="0" y="0"/>
+          <a:chExt cx="0" cy="0"/>
+        </a:xfrm>
+      </p:grpSpPr>
+      <p:sp>
+        <p:nvSpPr>
+          <p:cNvPr id="2" name="Slide Image Placeholder 1"/>
+          <p:cNvSpPr>
+            <a:spLocks noGrp="1" noRot="1" noChangeAspect="1"/>
+          </p:cNvSpPr>
+          <p:nvPr>
+            <p:ph type="sldImg"/>
+          </p:nvPr>
+        </p:nvSpPr>
+        <p:spPr/>
+      </p:sp>
+      <p:sp>
+        <p:nvSpPr>
+          <p:cNvPr id="3" name="Notes Placeholder 2"/>
+          <p:cNvSpPr>
+            <a:spLocks noGrp="1"/>
+          </p:cNvSpPr>
+          <p:nvPr>
+            <p:ph type="body" idx="1"/>
+          </p:nvPr>
+        </p:nvSpPr>
+        <p:spPr/>
+        <p:txBody>
+          <a:bodyPr/>
+          <a:lstStyle/>
+          <a:p>
+            <a:r>
+              <a:rPr lang="en-US" dirty="0" smtClean="0"/>
+              <a:t>Objective</a:t>
+            </a:r>
+            <a:r>
+              <a:rPr lang="en-US" baseline="0" dirty="0" smtClean="0"/>
+              <a:t>s, </a:t>
+            </a:r>
+            <a:r>
+              <a:rPr lang="en-US" baseline="0" dirty="0" smtClean="0"/>
+              <a:t>to make it easier</a:t>
+            </a:r>
+            <a:r>
+              <a:rPr lang="en-US" baseline="0" dirty="0" smtClean="0"/>
+              <a:t>:</a:t>
+            </a:r>
+          </a:p>
+          <a:p>
+            <a:pPr marL="171450" indent="-171450">
+              <a:buFont typeface="Arial" panose="020B0604020202020204" pitchFamily="34" charset="0"/>
+              <a:buChar char="•"/>
+            </a:pPr>
+            <a:r>
+              <a:rPr lang="en-US" baseline="0" dirty="0" smtClean="0"/>
+              <a:t>To learn about </a:t>
+            </a:r>
+            <a:r>
+              <a:rPr lang="en-US" baseline="0" dirty="0" err="1" smtClean="0"/>
+              <a:t>mdJSON</a:t>
+            </a:r>
+            <a:r>
+              <a:rPr lang="en-US" baseline="0" dirty="0" smtClean="0"/>
+              <a:t>  and </a:t>
+            </a:r>
+            <a:r>
+              <a:rPr lang="en-US" baseline="0" smtClean="0"/>
+              <a:t>the schema</a:t>
+            </a:r>
+            <a:endParaRPr lang="en-US" baseline="0" dirty="0" smtClean="0"/>
+          </a:p>
+          <a:p>
+            <a:pPr marL="171450" indent="-171450">
+              <a:buFont typeface="Arial" panose="020B0604020202020204" pitchFamily="34" charset="0"/>
+              <a:buChar char="•"/>
+            </a:pPr>
+            <a:r>
+              <a:rPr lang="en-US" baseline="0" dirty="0" smtClean="0"/>
+              <a:t>To use the schemas to validate </a:t>
+            </a:r>
+            <a:r>
+              <a:rPr lang="en-US" baseline="0" dirty="0" err="1" smtClean="0"/>
+              <a:t>mdJSON</a:t>
+            </a:r>
+            <a:endParaRPr lang="en-US" baseline="0" dirty="0" smtClean="0"/>
+          </a:p>
+          <a:p>
+            <a:pPr marL="171450" indent="-171450">
+              <a:buFont typeface="Arial" panose="020B0604020202020204" pitchFamily="34" charset="0"/>
+              <a:buChar char="•"/>
+            </a:pPr>
+            <a:r>
+              <a:rPr lang="en-US" baseline="0" dirty="0" smtClean="0"/>
+              <a:t>To use the </a:t>
+            </a:r>
+            <a:r>
+              <a:rPr lang="en-US" baseline="0" dirty="0" err="1" smtClean="0"/>
+              <a:t>mdTranslator</a:t>
+            </a:r>
+            <a:endParaRPr lang="en-US" dirty="0"/>
+          </a:p>
+        </p:txBody>
+      </p:sp>
+      <p:sp>
+        <p:nvSpPr>
+          <p:cNvPr id="4" name="Slide Number Placeholder 3"/>
+          <p:cNvSpPr>
+            <a:spLocks noGrp="1"/>
+          </p:cNvSpPr>
+          <p:nvPr>
+            <p:ph type="sldNum" sz="quarter" idx="10"/>
+          </p:nvPr>
+        </p:nvSpPr>
+        <p:spPr/>
+        <p:txBody>
+          <a:bodyPr/>
+          <a:lstStyle/>
+          <a:p>
+            <a:fld id="{86E298D3-FAEC-4429-BBB2-6E24FE792F56}" type="slidenum">
+              <a:rPr lang="en-US" smtClean="0"/>
+              <a:t>9</a:t>
+            </a:fld>
+            <a:endParaRPr lang="en-US" dirty="0"/>
+          </a:p>
+        </p:txBody>
+      </p:sp>
+    </p:spTree>
+    <p:extLst>
+      <p:ext uri="{BB962C8B-B14F-4D97-AF65-F5344CB8AC3E}">
+        <p14:creationId xmlns:p14="http://schemas.microsoft.com/office/powerpoint/2010/main" val="389471264"/>
       </p:ext>
     </p:extLst>
   </p:cSld>
@@ -7335,7 +7830,7 @@
                   </a:srgbClr>
                 </a:solidFill>
               </a:rPr>
-              <a:t>5/8/2015</a:t>
+              <a:t>5/10/2015</a:t>
             </a:fld>
             <a:endParaRPr lang="en-US" dirty="0">
               <a:solidFill>
@@ -7577,7 +8072,7 @@
                   </a:srgbClr>
                 </a:solidFill>
               </a:rPr>
-              <a:t>5/8/2015</a:t>
+              <a:t>5/10/2015</a:t>
             </a:fld>
             <a:endParaRPr lang="en-US" dirty="0">
               <a:solidFill>
@@ -7876,7 +8371,7 @@
               <a:pPr>
                 <a:defRPr/>
               </a:pPr>
-              <a:t>5/8/2015</a:t>
+              <a:t>5/10/2015</a:t>
             </a:fld>
             <a:endParaRPr lang="en-US" dirty="0">
               <a:solidFill>
@@ -8098,7 +8593,7 @@
               <a:pPr>
                 <a:defRPr/>
               </a:pPr>
-              <a:t>5/8/2015</a:t>
+              <a:t>5/10/2015</a:t>
             </a:fld>
             <a:endParaRPr lang="en-US" dirty="0">
               <a:solidFill>
@@ -8390,7 +8885,7 @@
               <a:pPr>
                 <a:defRPr/>
               </a:pPr>
-              <a:t>5/8/2015</a:t>
+              <a:t>5/10/2015</a:t>
             </a:fld>
             <a:endParaRPr lang="en-US" dirty="0">
               <a:solidFill>
@@ -8704,7 +9199,7 @@
               <a:pPr>
                 <a:defRPr/>
               </a:pPr>
-              <a:t>5/8/2015</a:t>
+              <a:t>5/10/2015</a:t>
             </a:fld>
             <a:endParaRPr lang="en-US" dirty="0">
               <a:solidFill>
@@ -9132,7 +9627,7 @@
               <a:pPr>
                 <a:defRPr/>
               </a:pPr>
-              <a:t>5/8/2015</a:t>
+              <a:t>5/10/2015</a:t>
             </a:fld>
             <a:endParaRPr lang="en-US" dirty="0">
               <a:solidFill>
@@ -9332,7 +9827,7 @@
               <a:pPr>
                 <a:defRPr/>
               </a:pPr>
-              <a:t>5/8/2015</a:t>
+              <a:t>5/10/2015</a:t>
             </a:fld>
             <a:endParaRPr lang="en-US" dirty="0">
               <a:solidFill>
@@ -9472,7 +9967,7 @@
               <a:pPr>
                 <a:defRPr/>
               </a:pPr>
-              <a:t>5/8/2015</a:t>
+              <a:t>5/10/2015</a:t>
             </a:fld>
             <a:endParaRPr lang="en-US" dirty="0">
               <a:solidFill>
@@ -9783,7 +10278,7 @@
               <a:pPr>
                 <a:defRPr/>
               </a:pPr>
-              <a:t>5/8/2015</a:t>
+              <a:t>5/10/2015</a:t>
             </a:fld>
             <a:endParaRPr lang="en-US" dirty="0">
               <a:solidFill>
@@ -10143,7 +10638,7 @@
               <a:pPr>
                 <a:defRPr/>
               </a:pPr>
-              <a:t>5/8/2015</a:t>
+              <a:t>5/10/2015</a:t>
             </a:fld>
             <a:endParaRPr lang="en-US" dirty="0">
               <a:solidFill>
@@ -10723,7 +11218,7 @@
                   </a:srgbClr>
                 </a:solidFill>
               </a:rPr>
-              <a:t>5/8/2015</a:t>
+              <a:t>5/10/2015</a:t>
             </a:fld>
             <a:endParaRPr lang="en-US" dirty="0">
               <a:solidFill>
@@ -10959,7 +11454,7 @@
               <a:pPr>
                 <a:defRPr/>
               </a:pPr>
-              <a:t>5/8/2015</a:t>
+              <a:t>5/10/2015</a:t>
             </a:fld>
             <a:endParaRPr lang="en-US" dirty="0">
               <a:solidFill>
@@ -11184,7 +11679,7 @@
               <a:pPr>
                 <a:defRPr/>
               </a:pPr>
-              <a:t>5/8/2015</a:t>
+              <a:t>5/10/2015</a:t>
             </a:fld>
             <a:endParaRPr lang="en-US" dirty="0">
               <a:solidFill>
@@ -11429,7 +11924,7 @@
                   </a:srgbClr>
                 </a:solidFill>
               </a:rPr>
-              <a:t>5/8/2015</a:t>
+              <a:t>5/10/2015</a:t>
             </a:fld>
             <a:endParaRPr lang="en-US" dirty="0">
               <a:solidFill>
@@ -11804,7 +12299,7 @@
                   </a:srgbClr>
                 </a:solidFill>
               </a:rPr>
-              <a:t>5/8/2015</a:t>
+              <a:t>5/10/2015</a:t>
             </a:fld>
             <a:endParaRPr lang="en-US" dirty="0">
               <a:solidFill>
@@ -12106,7 +12601,7 @@
                   </a:srgbClr>
                 </a:solidFill>
               </a:rPr>
-              <a:t>5/8/2015</a:t>
+              <a:t>5/10/2015</a:t>
             </a:fld>
             <a:endParaRPr lang="en-US" dirty="0">
               <a:solidFill>
@@ -12263,7 +12758,7 @@
                   </a:srgbClr>
                 </a:solidFill>
               </a:rPr>
-              <a:t>5/8/2015</a:t>
+              <a:t>5/10/2015</a:t>
             </a:fld>
             <a:endParaRPr lang="en-US" dirty="0">
               <a:solidFill>
@@ -12618,7 +13113,7 @@
                   </a:srgbClr>
                 </a:solidFill>
               </a:rPr>
-              <a:t>5/8/2015</a:t>
+              <a:t>5/10/2015</a:t>
             </a:fld>
             <a:endParaRPr lang="en-US" dirty="0">
               <a:solidFill>
@@ -12954,7 +13449,7 @@
                   </a:srgbClr>
                 </a:solidFill>
               </a:rPr>
-              <a:t>5/8/2015</a:t>
+              <a:t>5/10/2015</a:t>
             </a:fld>
             <a:endParaRPr lang="en-US" dirty="0">
               <a:solidFill>
@@ -13191,7 +13686,7 @@
                   </a:srgbClr>
                 </a:solidFill>
               </a:rPr>
-              <a:t>5/8/2015</a:t>
+              <a:t>5/10/2015</a:t>
             </a:fld>
             <a:endParaRPr lang="en-US" dirty="0">
               <a:solidFill>
@@ -13474,7 +13969,7 @@
             <a:fld id="{5AE4DD19-95FB-4280-9209-E7E1030A9938}" type="datetime1">
               <a:rPr lang="en-US" smtClean="0"/>
               <a:pPr/>
-              <a:t>5/8/2015</a:t>
+              <a:t>5/10/2015</a:t>
             </a:fld>
             <a:r>
               <a:rPr lang="en-US" dirty="0" smtClean="0"/>
@@ -14447,7 +14942,7 @@
                 </a:spcAft>
                 <a:defRPr/>
               </a:pPr>
-              <a:t>5/8/2015</a:t>
+              <a:t>5/10/2015</a:t>
             </a:fld>
             <a:endParaRPr lang="en-US" dirty="0">
               <a:solidFill>
@@ -15267,29 +15762,8 @@
                   </a:outerShdw>
                 </a:effectLst>
               </a:rPr>
-              <a:t>Josh Bradley</a:t>
-            </a:r>
-            <a:r>
-              <a:rPr lang="en-US" dirty="0" smtClean="0">
-                <a:effectLst>
-                  <a:outerShdw blurRad="38100" dist="38100" dir="2700000" algn="tl">
-                    <a:srgbClr val="000000">
-                      <a:alpha val="43137"/>
-                    </a:srgbClr>
-                  </a:outerShdw>
-                </a:effectLst>
-              </a:rPr>
-              <a:t>, Arctic LCC</a:t>
-            </a:r>
-            <a:endParaRPr lang="en-US" dirty="0" smtClean="0">
-              <a:effectLst>
-                <a:outerShdw blurRad="38100" dist="38100" dir="2700000" algn="tl">
-                  <a:srgbClr val="000000">
-                    <a:alpha val="43137"/>
-                  </a:srgbClr>
-                </a:outerShdw>
-              </a:effectLst>
-            </a:endParaRPr>
+              <a:t>Josh Bradley, Arctic LCC</a:t>
+            </a:r>
           </a:p>
           <a:p>
             <a:endParaRPr lang="en-US" dirty="0" smtClean="0">
@@ -15408,7 +15882,7 @@
                   </a:srgbClr>
                 </a:solidFill>
               </a:rPr>
-              <a:t>5/8/2015</a:t>
+              <a:t>5/10/2015</a:t>
             </a:fld>
             <a:endParaRPr lang="en-US" dirty="0">
               <a:solidFill>
@@ -15517,7 +15991,7 @@
         </p:xfrm>
         <a:graphic>
           <a:graphicData uri="http://schemas.openxmlformats.org/drawingml/2006/diagram">
-            <dgm:relIds xmlns:dgm="http://schemas.openxmlformats.org/drawingml/2006/diagram" xmlns:r="http://schemas.openxmlformats.org/officeDocument/2006/relationships" r:dm="rId2" r:lo="rId3" r:qs="rId4" r:cs="rId5"/>
+            <dgm:relIds xmlns:dgm="http://schemas.openxmlformats.org/drawingml/2006/diagram" xmlns:r="http://schemas.openxmlformats.org/officeDocument/2006/relationships" r:dm="rId3" r:lo="rId4" r:qs="rId5" r:cs="rId6"/>
           </a:graphicData>
         </a:graphic>
       </p:graphicFrame>
@@ -15575,11 +16049,7 @@
           <a:p>
             <a:r>
               <a:rPr lang="en-US" dirty="0" smtClean="0"/>
-              <a:t>Developing with </a:t>
-            </a:r>
-            <a:r>
-              <a:rPr lang="en-US" dirty="0" err="1" smtClean="0"/>
-              <a:t>mdJSON</a:t>
+              <a:t>Contacts</a:t>
             </a:r>
             <a:endParaRPr lang="en-US" dirty="0"/>
           </a:p>
@@ -15595,10 +16065,18 @@
             <p:ph idx="1"/>
           </p:nvPr>
         </p:nvSpPr>
-        <p:spPr/>
+        <p:spPr>
+          <a:xfrm>
+            <a:off x="914400" y="914400"/>
+            <a:ext cx="6934200" cy="5334000"/>
+          </a:xfrm>
+          <a:solidFill>
+            <a:schemeClr val="tx1"/>
+          </a:solidFill>
+        </p:spPr>
         <p:txBody>
-          <a:bodyPr>
-            <a:normAutofit lnSpcReduction="10000"/>
+          <a:bodyPr wrap="none">
+            <a:noAutofit/>
           </a:bodyPr>
           <a:lstStyle/>
           <a:p>
@@ -15606,44 +16084,777 @@
               <a:buNone/>
             </a:pPr>
             <a:r>
-              <a:rPr lang="en-US" dirty="0" smtClean="0"/>
-              <a:t>What’s needed:</a:t>
-            </a:r>
-          </a:p>
-          <a:p>
-            <a:r>
-              <a:rPr lang="en-US" dirty="0" smtClean="0"/>
-              <a:t>Understanding of JSON structure and syntax</a:t>
-            </a:r>
-          </a:p>
-          <a:p>
-            <a:r>
-              <a:rPr lang="en-US" dirty="0" smtClean="0"/>
-              <a:t>Basic knowledge of JSON </a:t>
-            </a:r>
-            <a:r>
-              <a:rPr lang="en-US" dirty="0"/>
-              <a:t>Schema </a:t>
-            </a:r>
-            <a:r>
-              <a:rPr lang="en-US" dirty="0" smtClean="0"/>
-              <a:t>specification</a:t>
-            </a:r>
-          </a:p>
-          <a:p>
-            <a:r>
-              <a:rPr lang="en-US" dirty="0" smtClean="0"/>
-              <a:t>Ability to use </a:t>
-            </a:r>
-            <a:r>
-              <a:rPr lang="en-US" dirty="0" err="1" smtClean="0"/>
-              <a:t>mdJSON</a:t>
-            </a:r>
-            <a:r>
-              <a:rPr lang="en-US" dirty="0" smtClean="0"/>
-              <a:t>-schemas to validate</a:t>
-            </a:r>
-            <a:endParaRPr lang="en-US" dirty="0" smtClean="0"/>
+              <a:rPr lang="en-US" sz="1000" dirty="0">
+                <a:solidFill>
+                  <a:schemeClr val="bg1"/>
+                </a:solidFill>
+                <a:latin typeface="Lucida Console" panose="020B0609040504020204" pitchFamily="49" charset="0"/>
+                <a:cs typeface="Consolas" panose="020B0609020204030204" pitchFamily="49" charset="0"/>
+              </a:rPr>
+              <a:t>{</a:t>
+            </a:r>
+          </a:p>
+          <a:p>
+            <a:pPr marL="0" indent="0">
+              <a:buNone/>
+            </a:pPr>
+            <a:r>
+              <a:rPr lang="en-US" sz="1000" dirty="0">
+                <a:solidFill>
+                  <a:schemeClr val="bg1"/>
+                </a:solidFill>
+                <a:latin typeface="Lucida Console" panose="020B0609040504020204" pitchFamily="49" charset="0"/>
+                <a:cs typeface="Consolas" panose="020B0609020204030204" pitchFamily="49" charset="0"/>
+              </a:rPr>
+              <a:t>  "version": {</a:t>
+            </a:r>
+          </a:p>
+          <a:p>
+            <a:pPr marL="0" indent="0">
+              <a:buNone/>
+            </a:pPr>
+            <a:r>
+              <a:rPr lang="en-US" sz="1000" dirty="0">
+                <a:solidFill>
+                  <a:schemeClr val="bg1"/>
+                </a:solidFill>
+                <a:latin typeface="Lucida Console" panose="020B0609040504020204" pitchFamily="49" charset="0"/>
+                <a:cs typeface="Consolas" panose="020B0609020204030204" pitchFamily="49" charset="0"/>
+              </a:rPr>
+              <a:t>    "name": "</a:t>
+            </a:r>
+            <a:r>
+              <a:rPr lang="en-US" sz="1000" dirty="0" err="1">
+                <a:solidFill>
+                  <a:schemeClr val="bg1"/>
+                </a:solidFill>
+                <a:latin typeface="Lucida Console" panose="020B0609040504020204" pitchFamily="49" charset="0"/>
+                <a:cs typeface="Consolas" panose="020B0609020204030204" pitchFamily="49" charset="0"/>
+              </a:rPr>
+              <a:t>mdJson</a:t>
+            </a:r>
+            <a:r>
+              <a:rPr lang="en-US" sz="1000" dirty="0">
+                <a:solidFill>
+                  <a:schemeClr val="bg1"/>
+                </a:solidFill>
+                <a:latin typeface="Lucida Console" panose="020B0609040504020204" pitchFamily="49" charset="0"/>
+                <a:cs typeface="Consolas" panose="020B0609020204030204" pitchFamily="49" charset="0"/>
+              </a:rPr>
+              <a:t>",</a:t>
+            </a:r>
+          </a:p>
+          <a:p>
+            <a:pPr marL="0" indent="0">
+              <a:buNone/>
+            </a:pPr>
+            <a:r>
+              <a:rPr lang="en-US" sz="1000" dirty="0">
+                <a:solidFill>
+                  <a:schemeClr val="bg1"/>
+                </a:solidFill>
+                <a:latin typeface="Lucida Console" panose="020B0609040504020204" pitchFamily="49" charset="0"/>
+                <a:cs typeface="Consolas" panose="020B0609020204030204" pitchFamily="49" charset="0"/>
+              </a:rPr>
+              <a:t>    "version": "1.0.0"</a:t>
+            </a:r>
+          </a:p>
+          <a:p>
+            <a:pPr marL="0" indent="0">
+              <a:buNone/>
+            </a:pPr>
+            <a:r>
+              <a:rPr lang="en-US" sz="1000" dirty="0">
+                <a:solidFill>
+                  <a:schemeClr val="bg1"/>
+                </a:solidFill>
+                <a:latin typeface="Lucida Console" panose="020B0609040504020204" pitchFamily="49" charset="0"/>
+                <a:cs typeface="Consolas" panose="020B0609020204030204" pitchFamily="49" charset="0"/>
+              </a:rPr>
+              <a:t>  },</a:t>
+            </a:r>
+          </a:p>
+          <a:p>
+            <a:pPr marL="0" indent="0">
+              <a:buNone/>
+            </a:pPr>
+            <a:r>
+              <a:rPr lang="en-US" sz="1000" dirty="0">
+                <a:solidFill>
+                  <a:schemeClr val="bg1"/>
+                </a:solidFill>
+                <a:latin typeface="Lucida Console" panose="020B0609040504020204" pitchFamily="49" charset="0"/>
+                <a:cs typeface="Consolas" panose="020B0609020204030204" pitchFamily="49" charset="0"/>
+              </a:rPr>
+              <a:t>  "contact": [</a:t>
+            </a:r>
+          </a:p>
+          <a:p>
+            <a:pPr marL="0" indent="0">
+              <a:buNone/>
+            </a:pPr>
+            <a:r>
+              <a:rPr lang="en-US" sz="1000" dirty="0">
+                <a:solidFill>
+                  <a:schemeClr val="bg1"/>
+                </a:solidFill>
+                <a:latin typeface="Lucida Console" panose="020B0609040504020204" pitchFamily="49" charset="0"/>
+                <a:cs typeface="Consolas" panose="020B0609020204030204" pitchFamily="49" charset="0"/>
+              </a:rPr>
+              <a:t>    {</a:t>
+            </a:r>
+          </a:p>
+          <a:p>
+            <a:pPr marL="0" indent="0">
+              <a:buNone/>
+            </a:pPr>
+            <a:r>
+              <a:rPr lang="en-US" sz="1000" dirty="0">
+                <a:solidFill>
+                  <a:schemeClr val="bg1"/>
+                </a:solidFill>
+                <a:latin typeface="Lucida Console" panose="020B0609040504020204" pitchFamily="49" charset="0"/>
+                <a:cs typeface="Consolas" panose="020B0609020204030204" pitchFamily="49" charset="0"/>
+              </a:rPr>
+              <a:t>      "</a:t>
+            </a:r>
+            <a:r>
+              <a:rPr lang="en-US" sz="1000" dirty="0" err="1">
+                <a:solidFill>
+                  <a:schemeClr val="bg1"/>
+                </a:solidFill>
+                <a:latin typeface="Lucida Console" panose="020B0609040504020204" pitchFamily="49" charset="0"/>
+                <a:cs typeface="Consolas" panose="020B0609020204030204" pitchFamily="49" charset="0"/>
+              </a:rPr>
+              <a:t>contactId</a:t>
+            </a:r>
+            <a:r>
+              <a:rPr lang="en-US" sz="1000" dirty="0">
+                <a:solidFill>
+                  <a:schemeClr val="bg1"/>
+                </a:solidFill>
+                <a:latin typeface="Lucida Console" panose="020B0609040504020204" pitchFamily="49" charset="0"/>
+                <a:cs typeface="Consolas" panose="020B0609020204030204" pitchFamily="49" charset="0"/>
+              </a:rPr>
+              <a:t>": "1",</a:t>
+            </a:r>
+          </a:p>
+          <a:p>
+            <a:pPr marL="0" indent="0">
+              <a:buNone/>
+            </a:pPr>
+            <a:r>
+              <a:rPr lang="en-US" sz="1000" dirty="0">
+                <a:solidFill>
+                  <a:schemeClr val="bg1"/>
+                </a:solidFill>
+                <a:latin typeface="Lucida Console" panose="020B0609040504020204" pitchFamily="49" charset="0"/>
+                <a:cs typeface="Consolas" panose="020B0609020204030204" pitchFamily="49" charset="0"/>
+              </a:rPr>
+              <a:t>      "</a:t>
+            </a:r>
+            <a:r>
+              <a:rPr lang="en-US" sz="1000" dirty="0" err="1">
+                <a:solidFill>
+                  <a:schemeClr val="bg1"/>
+                </a:solidFill>
+                <a:latin typeface="Lucida Console" panose="020B0609040504020204" pitchFamily="49" charset="0"/>
+                <a:cs typeface="Consolas" panose="020B0609020204030204" pitchFamily="49" charset="0"/>
+              </a:rPr>
+              <a:t>organizationName</a:t>
+            </a:r>
+            <a:r>
+              <a:rPr lang="en-US" sz="1000" dirty="0">
+                <a:solidFill>
+                  <a:schemeClr val="bg1"/>
+                </a:solidFill>
+                <a:latin typeface="Lucida Console" panose="020B0609040504020204" pitchFamily="49" charset="0"/>
+                <a:cs typeface="Consolas" panose="020B0609020204030204" pitchFamily="49" charset="0"/>
+              </a:rPr>
+              <a:t>": "US Geological Survey - Alaska Science Center"</a:t>
+            </a:r>
+          </a:p>
+          <a:p>
+            <a:pPr marL="0" indent="0">
+              <a:buNone/>
+            </a:pPr>
+            <a:r>
+              <a:rPr lang="en-US" sz="1000" dirty="0">
+                <a:solidFill>
+                  <a:schemeClr val="bg1"/>
+                </a:solidFill>
+                <a:latin typeface="Lucida Console" panose="020B0609040504020204" pitchFamily="49" charset="0"/>
+                <a:cs typeface="Consolas" panose="020B0609020204030204" pitchFamily="49" charset="0"/>
+              </a:rPr>
+              <a:t>    }</a:t>
+            </a:r>
+          </a:p>
+          <a:p>
+            <a:pPr marL="0" indent="0">
+              <a:buNone/>
+            </a:pPr>
+            <a:r>
+              <a:rPr lang="en-US" sz="1000" dirty="0">
+                <a:solidFill>
+                  <a:schemeClr val="bg1"/>
+                </a:solidFill>
+                <a:latin typeface="Lucida Console" panose="020B0609040504020204" pitchFamily="49" charset="0"/>
+                <a:cs typeface="Consolas" panose="020B0609020204030204" pitchFamily="49" charset="0"/>
+              </a:rPr>
+              <a:t>  ],</a:t>
+            </a:r>
+          </a:p>
+          <a:p>
+            <a:pPr marL="0" indent="0">
+              <a:buNone/>
+            </a:pPr>
+            <a:r>
+              <a:rPr lang="en-US" sz="1000" dirty="0">
+                <a:solidFill>
+                  <a:schemeClr val="bg1"/>
+                </a:solidFill>
+                <a:latin typeface="Lucida Console" panose="020B0609040504020204" pitchFamily="49" charset="0"/>
+                <a:cs typeface="Consolas" panose="020B0609020204030204" pitchFamily="49" charset="0"/>
+              </a:rPr>
+              <a:t>  "metadata": {</a:t>
+            </a:r>
+          </a:p>
+          <a:p>
+            <a:pPr marL="0" indent="0">
+              <a:buNone/>
+            </a:pPr>
+            <a:r>
+              <a:rPr lang="en-US" sz="1000" dirty="0">
+                <a:solidFill>
+                  <a:schemeClr val="bg1"/>
+                </a:solidFill>
+                <a:latin typeface="Lucida Console" panose="020B0609040504020204" pitchFamily="49" charset="0"/>
+                <a:cs typeface="Consolas" panose="020B0609020204030204" pitchFamily="49" charset="0"/>
+              </a:rPr>
+              <a:t>    "</a:t>
+            </a:r>
+            <a:r>
+              <a:rPr lang="en-US" sz="1000" dirty="0" err="1">
+                <a:solidFill>
+                  <a:schemeClr val="bg1"/>
+                </a:solidFill>
+                <a:latin typeface="Lucida Console" panose="020B0609040504020204" pitchFamily="49" charset="0"/>
+                <a:cs typeface="Consolas" panose="020B0609020204030204" pitchFamily="49" charset="0"/>
+              </a:rPr>
+              <a:t>resourceInfo</a:t>
+            </a:r>
+            <a:r>
+              <a:rPr lang="en-US" sz="1000" dirty="0">
+                <a:solidFill>
+                  <a:schemeClr val="bg1"/>
+                </a:solidFill>
+                <a:latin typeface="Lucida Console" panose="020B0609040504020204" pitchFamily="49" charset="0"/>
+                <a:cs typeface="Consolas" panose="020B0609020204030204" pitchFamily="49" charset="0"/>
+              </a:rPr>
+              <a:t>": {</a:t>
+            </a:r>
+          </a:p>
+          <a:p>
+            <a:pPr marL="0" indent="0">
+              <a:buNone/>
+            </a:pPr>
+            <a:r>
+              <a:rPr lang="en-US" sz="1000" dirty="0">
+                <a:solidFill>
+                  <a:schemeClr val="bg1"/>
+                </a:solidFill>
+                <a:latin typeface="Lucida Console" panose="020B0609040504020204" pitchFamily="49" charset="0"/>
+                <a:cs typeface="Consolas" panose="020B0609020204030204" pitchFamily="49" charset="0"/>
+              </a:rPr>
+              <a:t>      "</a:t>
+            </a:r>
+            <a:r>
+              <a:rPr lang="en-US" sz="1000" dirty="0" err="1">
+                <a:solidFill>
+                  <a:schemeClr val="bg1"/>
+                </a:solidFill>
+                <a:latin typeface="Lucida Console" panose="020B0609040504020204" pitchFamily="49" charset="0"/>
+                <a:cs typeface="Consolas" panose="020B0609020204030204" pitchFamily="49" charset="0"/>
+              </a:rPr>
+              <a:t>resourceType</a:t>
+            </a:r>
+            <a:r>
+              <a:rPr lang="en-US" sz="1000" dirty="0">
+                <a:solidFill>
+                  <a:schemeClr val="bg1"/>
+                </a:solidFill>
+                <a:latin typeface="Lucida Console" panose="020B0609040504020204" pitchFamily="49" charset="0"/>
+                <a:cs typeface="Consolas" panose="020B0609020204030204" pitchFamily="49" charset="0"/>
+              </a:rPr>
+              <a:t>": "project",</a:t>
+            </a:r>
+          </a:p>
+          <a:p>
+            <a:pPr marL="0" indent="0">
+              <a:buNone/>
+            </a:pPr>
+            <a:r>
+              <a:rPr lang="en-US" sz="1000" dirty="0">
+                <a:solidFill>
+                  <a:schemeClr val="bg1"/>
+                </a:solidFill>
+                <a:latin typeface="Lucida Console" panose="020B0609040504020204" pitchFamily="49" charset="0"/>
+                <a:cs typeface="Consolas" panose="020B0609020204030204" pitchFamily="49" charset="0"/>
+              </a:rPr>
+              <a:t>      "citation": {</a:t>
+            </a:r>
+          </a:p>
+          <a:p>
+            <a:pPr marL="0" indent="0">
+              <a:buNone/>
+            </a:pPr>
+            <a:r>
+              <a:rPr lang="en-US" sz="1000" dirty="0">
+                <a:solidFill>
+                  <a:schemeClr val="bg1"/>
+                </a:solidFill>
+                <a:latin typeface="Lucida Console" panose="020B0609040504020204" pitchFamily="49" charset="0"/>
+                <a:cs typeface="Consolas" panose="020B0609020204030204" pitchFamily="49" charset="0"/>
+              </a:rPr>
+              <a:t>        "title": "Real-Time Permafrost and Climate Monitoring Network - Arctic Alaska",</a:t>
+            </a:r>
+          </a:p>
+          <a:p>
+            <a:pPr marL="0" indent="0">
+              <a:buNone/>
+            </a:pPr>
+            <a:r>
+              <a:rPr lang="en-US" sz="1000" dirty="0">
+                <a:solidFill>
+                  <a:schemeClr val="bg1"/>
+                </a:solidFill>
+                <a:latin typeface="Lucida Console" panose="020B0609040504020204" pitchFamily="49" charset="0"/>
+                <a:cs typeface="Consolas" panose="020B0609020204030204" pitchFamily="49" charset="0"/>
+              </a:rPr>
+              <a:t>        "date": [</a:t>
+            </a:r>
+          </a:p>
+          <a:p>
+            <a:pPr marL="0" indent="0">
+              <a:buNone/>
+            </a:pPr>
+            <a:r>
+              <a:rPr lang="en-US" sz="1000" dirty="0">
+                <a:solidFill>
+                  <a:schemeClr val="bg1"/>
+                </a:solidFill>
+                <a:latin typeface="Lucida Console" panose="020B0609040504020204" pitchFamily="49" charset="0"/>
+                <a:cs typeface="Consolas" panose="020B0609020204030204" pitchFamily="49" charset="0"/>
+              </a:rPr>
+              <a:t>          {</a:t>
+            </a:r>
+          </a:p>
+          <a:p>
+            <a:pPr marL="0" indent="0">
+              <a:buNone/>
+            </a:pPr>
+            <a:r>
+              <a:rPr lang="en-US" sz="1000" dirty="0">
+                <a:solidFill>
+                  <a:schemeClr val="bg1"/>
+                </a:solidFill>
+                <a:latin typeface="Lucida Console" panose="020B0609040504020204" pitchFamily="49" charset="0"/>
+                <a:cs typeface="Consolas" panose="020B0609020204030204" pitchFamily="49" charset="0"/>
+              </a:rPr>
+              <a:t>            "date": "2012-12-21",</a:t>
+            </a:r>
+          </a:p>
+          <a:p>
+            <a:pPr marL="0" indent="0">
+              <a:buNone/>
+            </a:pPr>
+            <a:r>
+              <a:rPr lang="en-US" sz="1000" dirty="0">
+                <a:solidFill>
+                  <a:schemeClr val="bg1"/>
+                </a:solidFill>
+                <a:latin typeface="Lucida Console" panose="020B0609040504020204" pitchFamily="49" charset="0"/>
+                <a:cs typeface="Consolas" panose="020B0609020204030204" pitchFamily="49" charset="0"/>
+              </a:rPr>
+              <a:t>            "</a:t>
+            </a:r>
+            <a:r>
+              <a:rPr lang="en-US" sz="1000" dirty="0" err="1">
+                <a:solidFill>
+                  <a:schemeClr val="bg1"/>
+                </a:solidFill>
+                <a:latin typeface="Lucida Console" panose="020B0609040504020204" pitchFamily="49" charset="0"/>
+                <a:cs typeface="Consolas" panose="020B0609020204030204" pitchFamily="49" charset="0"/>
+              </a:rPr>
+              <a:t>dateType</a:t>
+            </a:r>
+            <a:r>
+              <a:rPr lang="en-US" sz="1000" dirty="0">
+                <a:solidFill>
+                  <a:schemeClr val="bg1"/>
+                </a:solidFill>
+                <a:latin typeface="Lucida Console" panose="020B0609040504020204" pitchFamily="49" charset="0"/>
+                <a:cs typeface="Consolas" panose="020B0609020204030204" pitchFamily="49" charset="0"/>
+              </a:rPr>
+              <a:t>": "revision"</a:t>
+            </a:r>
+          </a:p>
+          <a:p>
+            <a:pPr marL="0" indent="0">
+              <a:buNone/>
+            </a:pPr>
+            <a:r>
+              <a:rPr lang="en-US" sz="1000" dirty="0">
+                <a:solidFill>
+                  <a:schemeClr val="bg1"/>
+                </a:solidFill>
+                <a:latin typeface="Lucida Console" panose="020B0609040504020204" pitchFamily="49" charset="0"/>
+                <a:cs typeface="Consolas" panose="020B0609020204030204" pitchFamily="49" charset="0"/>
+              </a:rPr>
+              <a:t>          }</a:t>
+            </a:r>
+          </a:p>
+          <a:p>
+            <a:pPr marL="0" indent="0">
+              <a:buNone/>
+            </a:pPr>
+            <a:r>
+              <a:rPr lang="en-US" sz="1000" dirty="0">
+                <a:solidFill>
+                  <a:schemeClr val="bg1"/>
+                </a:solidFill>
+                <a:latin typeface="Lucida Console" panose="020B0609040504020204" pitchFamily="49" charset="0"/>
+                <a:cs typeface="Consolas" panose="020B0609020204030204" pitchFamily="49" charset="0"/>
+              </a:rPr>
+              <a:t>        ]</a:t>
+            </a:r>
+          </a:p>
+          <a:p>
+            <a:pPr marL="0" indent="0">
+              <a:buNone/>
+            </a:pPr>
+            <a:r>
+              <a:rPr lang="en-US" sz="1000" dirty="0">
+                <a:solidFill>
+                  <a:schemeClr val="bg1"/>
+                </a:solidFill>
+                <a:latin typeface="Lucida Console" panose="020B0609040504020204" pitchFamily="49" charset="0"/>
+                <a:cs typeface="Consolas" panose="020B0609020204030204" pitchFamily="49" charset="0"/>
+              </a:rPr>
+              <a:t>      },</a:t>
+            </a:r>
+          </a:p>
+          <a:p>
+            <a:pPr marL="0" indent="0">
+              <a:buNone/>
+            </a:pPr>
+            <a:r>
+              <a:rPr lang="en-US" sz="1000" dirty="0">
+                <a:solidFill>
+                  <a:schemeClr val="bg1"/>
+                </a:solidFill>
+                <a:latin typeface="Lucida Console" panose="020B0609040504020204" pitchFamily="49" charset="0"/>
+                <a:cs typeface="Consolas" panose="020B0609020204030204" pitchFamily="49" charset="0"/>
+              </a:rPr>
+              <a:t>      "</a:t>
+            </a:r>
+            <a:r>
+              <a:rPr lang="en-US" sz="1000" dirty="0" err="1">
+                <a:solidFill>
+                  <a:schemeClr val="bg1"/>
+                </a:solidFill>
+                <a:latin typeface="Lucida Console" panose="020B0609040504020204" pitchFamily="49" charset="0"/>
+                <a:cs typeface="Consolas" panose="020B0609020204030204" pitchFamily="49" charset="0"/>
+              </a:rPr>
+              <a:t>pointOfContact</a:t>
+            </a:r>
+            <a:r>
+              <a:rPr lang="en-US" sz="1000" dirty="0">
+                <a:solidFill>
+                  <a:schemeClr val="bg1"/>
+                </a:solidFill>
+                <a:latin typeface="Lucida Console" panose="020B0609040504020204" pitchFamily="49" charset="0"/>
+                <a:cs typeface="Consolas" panose="020B0609020204030204" pitchFamily="49" charset="0"/>
+              </a:rPr>
+              <a:t>": [</a:t>
+            </a:r>
+          </a:p>
+          <a:p>
+            <a:pPr marL="0" indent="0">
+              <a:buNone/>
+            </a:pPr>
+            <a:r>
+              <a:rPr lang="en-US" sz="1000" dirty="0">
+                <a:solidFill>
+                  <a:schemeClr val="bg1"/>
+                </a:solidFill>
+                <a:latin typeface="Lucida Console" panose="020B0609040504020204" pitchFamily="49" charset="0"/>
+                <a:cs typeface="Consolas" panose="020B0609020204030204" pitchFamily="49" charset="0"/>
+              </a:rPr>
+              <a:t>        {</a:t>
+            </a:r>
+          </a:p>
+          <a:p>
+            <a:pPr marL="0" indent="0">
+              <a:buNone/>
+            </a:pPr>
+            <a:r>
+              <a:rPr lang="en-US" sz="1000" dirty="0">
+                <a:solidFill>
+                  <a:schemeClr val="bg1"/>
+                </a:solidFill>
+                <a:latin typeface="Lucida Console" panose="020B0609040504020204" pitchFamily="49" charset="0"/>
+                <a:cs typeface="Consolas" panose="020B0609020204030204" pitchFamily="49" charset="0"/>
+              </a:rPr>
+              <a:t>          "</a:t>
+            </a:r>
+            <a:r>
+              <a:rPr lang="en-US" sz="1000" dirty="0" err="1">
+                <a:solidFill>
+                  <a:schemeClr val="bg1"/>
+                </a:solidFill>
+                <a:latin typeface="Lucida Console" panose="020B0609040504020204" pitchFamily="49" charset="0"/>
+                <a:cs typeface="Consolas" panose="020B0609020204030204" pitchFamily="49" charset="0"/>
+              </a:rPr>
+              <a:t>contactId</a:t>
+            </a:r>
+            <a:r>
+              <a:rPr lang="en-US" sz="1000" dirty="0">
+                <a:solidFill>
+                  <a:schemeClr val="bg1"/>
+                </a:solidFill>
+                <a:latin typeface="Lucida Console" panose="020B0609040504020204" pitchFamily="49" charset="0"/>
+                <a:cs typeface="Consolas" panose="020B0609020204030204" pitchFamily="49" charset="0"/>
+              </a:rPr>
+              <a:t>": "1",</a:t>
+            </a:r>
+          </a:p>
+          <a:p>
+            <a:pPr marL="0" indent="0">
+              <a:buNone/>
+            </a:pPr>
+            <a:r>
+              <a:rPr lang="en-US" sz="1000" dirty="0">
+                <a:solidFill>
+                  <a:schemeClr val="bg1"/>
+                </a:solidFill>
+                <a:latin typeface="Lucida Console" panose="020B0609040504020204" pitchFamily="49" charset="0"/>
+                <a:cs typeface="Consolas" panose="020B0609020204030204" pitchFamily="49" charset="0"/>
+              </a:rPr>
+              <a:t>          "role": "</a:t>
+            </a:r>
+            <a:r>
+              <a:rPr lang="en-US" sz="1000" dirty="0" err="1">
+                <a:solidFill>
+                  <a:schemeClr val="bg1"/>
+                </a:solidFill>
+                <a:latin typeface="Lucida Console" panose="020B0609040504020204" pitchFamily="49" charset="0"/>
+                <a:cs typeface="Consolas" panose="020B0609020204030204" pitchFamily="49" charset="0"/>
+              </a:rPr>
+              <a:t>pointOfContact</a:t>
+            </a:r>
+            <a:r>
+              <a:rPr lang="en-US" sz="1000" dirty="0">
+                <a:solidFill>
+                  <a:schemeClr val="bg1"/>
+                </a:solidFill>
+                <a:latin typeface="Lucida Console" panose="020B0609040504020204" pitchFamily="49" charset="0"/>
+                <a:cs typeface="Consolas" panose="020B0609020204030204" pitchFamily="49" charset="0"/>
+              </a:rPr>
+              <a:t>"</a:t>
+            </a:r>
+          </a:p>
+          <a:p>
+            <a:pPr marL="0" indent="0">
+              <a:buNone/>
+            </a:pPr>
+            <a:r>
+              <a:rPr lang="en-US" sz="1000" dirty="0">
+                <a:solidFill>
+                  <a:schemeClr val="bg1"/>
+                </a:solidFill>
+                <a:latin typeface="Lucida Console" panose="020B0609040504020204" pitchFamily="49" charset="0"/>
+                <a:cs typeface="Consolas" panose="020B0609020204030204" pitchFamily="49" charset="0"/>
+              </a:rPr>
+              <a:t>        }</a:t>
+            </a:r>
+          </a:p>
+          <a:p>
+            <a:pPr marL="0" indent="0">
+              <a:buNone/>
+            </a:pPr>
+            <a:r>
+              <a:rPr lang="en-US" sz="1000" dirty="0">
+                <a:solidFill>
+                  <a:schemeClr val="bg1"/>
+                </a:solidFill>
+                <a:latin typeface="Lucida Console" panose="020B0609040504020204" pitchFamily="49" charset="0"/>
+                <a:cs typeface="Consolas" panose="020B0609020204030204" pitchFamily="49" charset="0"/>
+              </a:rPr>
+              <a:t>      ],</a:t>
+            </a:r>
+          </a:p>
+          <a:p>
+            <a:pPr marL="0" indent="0">
+              <a:buNone/>
+            </a:pPr>
+            <a:r>
+              <a:rPr lang="en-US" sz="1000" dirty="0">
+                <a:solidFill>
+                  <a:schemeClr val="bg1"/>
+                </a:solidFill>
+                <a:latin typeface="Lucida Console" panose="020B0609040504020204" pitchFamily="49" charset="0"/>
+                <a:cs typeface="Consolas" panose="020B0609020204030204" pitchFamily="49" charset="0"/>
+              </a:rPr>
+              <a:t>      "abstract": "DOI is developing a long-term permafrost monitoring network.",</a:t>
+            </a:r>
+          </a:p>
+          <a:p>
+            <a:pPr marL="0" indent="0">
+              <a:buNone/>
+            </a:pPr>
+            <a:r>
+              <a:rPr lang="en-US" sz="1000" dirty="0">
+                <a:solidFill>
+                  <a:schemeClr val="bg1"/>
+                </a:solidFill>
+                <a:latin typeface="Lucida Console" panose="020B0609040504020204" pitchFamily="49" charset="0"/>
+                <a:cs typeface="Consolas" panose="020B0609020204030204" pitchFamily="49" charset="0"/>
+              </a:rPr>
+              <a:t>      "status": "</a:t>
+            </a:r>
+            <a:r>
+              <a:rPr lang="en-US" sz="1000" dirty="0" err="1">
+                <a:solidFill>
+                  <a:schemeClr val="bg1"/>
+                </a:solidFill>
+                <a:latin typeface="Lucida Console" panose="020B0609040504020204" pitchFamily="49" charset="0"/>
+                <a:cs typeface="Consolas" panose="020B0609020204030204" pitchFamily="49" charset="0"/>
+              </a:rPr>
+              <a:t>onGoing</a:t>
+            </a:r>
+            <a:r>
+              <a:rPr lang="en-US" sz="1000" dirty="0">
+                <a:solidFill>
+                  <a:schemeClr val="bg1"/>
+                </a:solidFill>
+                <a:latin typeface="Lucida Console" panose="020B0609040504020204" pitchFamily="49" charset="0"/>
+                <a:cs typeface="Consolas" panose="020B0609020204030204" pitchFamily="49" charset="0"/>
+              </a:rPr>
+              <a:t>",</a:t>
+            </a:r>
+          </a:p>
+          <a:p>
+            <a:pPr marL="0" indent="0">
+              <a:buNone/>
+            </a:pPr>
+            <a:r>
+              <a:rPr lang="en-US" sz="1000" dirty="0">
+                <a:solidFill>
+                  <a:schemeClr val="bg1"/>
+                </a:solidFill>
+                <a:latin typeface="Lucida Console" panose="020B0609040504020204" pitchFamily="49" charset="0"/>
+                <a:cs typeface="Consolas" panose="020B0609020204030204" pitchFamily="49" charset="0"/>
+              </a:rPr>
+              <a:t>      "language": ["</a:t>
+            </a:r>
+            <a:r>
+              <a:rPr lang="en-US" sz="1000" dirty="0" err="1">
+                <a:solidFill>
+                  <a:schemeClr val="bg1"/>
+                </a:solidFill>
+                <a:latin typeface="Lucida Console" panose="020B0609040504020204" pitchFamily="49" charset="0"/>
+                <a:cs typeface="Consolas" panose="020B0609020204030204" pitchFamily="49" charset="0"/>
+              </a:rPr>
+              <a:t>eng</a:t>
+            </a:r>
+            <a:r>
+              <a:rPr lang="en-US" sz="1000" dirty="0">
+                <a:solidFill>
+                  <a:schemeClr val="bg1"/>
+                </a:solidFill>
+                <a:latin typeface="Lucida Console" panose="020B0609040504020204" pitchFamily="49" charset="0"/>
+                <a:cs typeface="Consolas" panose="020B0609020204030204" pitchFamily="49" charset="0"/>
+              </a:rPr>
+              <a:t>; USA", "</a:t>
+            </a:r>
+            <a:r>
+              <a:rPr lang="en-US" sz="1000" dirty="0" err="1">
+                <a:solidFill>
+                  <a:schemeClr val="bg1"/>
+                </a:solidFill>
+                <a:latin typeface="Lucida Console" panose="020B0609040504020204" pitchFamily="49" charset="0"/>
+                <a:cs typeface="Consolas" panose="020B0609020204030204" pitchFamily="49" charset="0"/>
+              </a:rPr>
+              <a:t>esp</a:t>
+            </a:r>
+            <a:r>
+              <a:rPr lang="en-US" sz="1000" dirty="0">
+                <a:solidFill>
+                  <a:schemeClr val="bg1"/>
+                </a:solidFill>
+                <a:latin typeface="Lucida Console" panose="020B0609040504020204" pitchFamily="49" charset="0"/>
+                <a:cs typeface="Consolas" panose="020B0609020204030204" pitchFamily="49" charset="0"/>
+              </a:rPr>
+              <a:t>; MEX"]</a:t>
+            </a:r>
+          </a:p>
+          <a:p>
+            <a:pPr marL="0" indent="0">
+              <a:buNone/>
+            </a:pPr>
+            <a:r>
+              <a:rPr lang="en-US" sz="1000" dirty="0">
+                <a:solidFill>
+                  <a:schemeClr val="bg1"/>
+                </a:solidFill>
+                <a:latin typeface="Lucida Console" panose="020B0609040504020204" pitchFamily="49" charset="0"/>
+                <a:cs typeface="Consolas" panose="020B0609020204030204" pitchFamily="49" charset="0"/>
+              </a:rPr>
+              <a:t>    }</a:t>
+            </a:r>
+          </a:p>
+          <a:p>
+            <a:pPr marL="0" indent="0">
+              <a:buNone/>
+            </a:pPr>
+            <a:r>
+              <a:rPr lang="en-US" sz="1000" dirty="0">
+                <a:solidFill>
+                  <a:schemeClr val="bg1"/>
+                </a:solidFill>
+                <a:latin typeface="Lucida Console" panose="020B0609040504020204" pitchFamily="49" charset="0"/>
+                <a:cs typeface="Consolas" panose="020B0609020204030204" pitchFamily="49" charset="0"/>
+              </a:rPr>
+              <a:t>  }</a:t>
+            </a:r>
+          </a:p>
+          <a:p>
+            <a:pPr marL="0" indent="0">
+              <a:buNone/>
+            </a:pPr>
+            <a:r>
+              <a:rPr lang="en-US" sz="1000" dirty="0">
+                <a:solidFill>
+                  <a:schemeClr val="bg1"/>
+                </a:solidFill>
+                <a:latin typeface="Lucida Console" panose="020B0609040504020204" pitchFamily="49" charset="0"/>
+                <a:cs typeface="Consolas" panose="020B0609020204030204" pitchFamily="49" charset="0"/>
+              </a:rPr>
+              <a:t>}</a:t>
+            </a:r>
+          </a:p>
+          <a:p>
+            <a:pPr marL="0" indent="0">
+              <a:buNone/>
+            </a:pPr>
+            <a:endParaRPr lang="en-US" sz="1000" dirty="0">
+              <a:solidFill>
+                <a:schemeClr val="bg1"/>
+              </a:solidFill>
+              <a:latin typeface="Lucida Console" panose="020B0609040504020204" pitchFamily="49" charset="0"/>
+              <a:cs typeface="Consolas" panose="020B0609020204030204" pitchFamily="49" charset="0"/>
+            </a:endParaRPr>
           </a:p>
         </p:txBody>
       </p:sp>
@@ -15673,7 +16884,7 @@
                   </a:srgbClr>
                 </a:solidFill>
               </a:rPr>
-              <a:t>5/8/2015</a:t>
+              <a:t>5/10/2015</a:t>
             </a:fld>
             <a:endParaRPr lang="en-US" dirty="0">
               <a:solidFill>
@@ -15767,7 +16978,7 @@
     </p:spTree>
     <p:extLst>
       <p:ext uri="{BB962C8B-B14F-4D97-AF65-F5344CB8AC3E}">
-        <p14:creationId xmlns:p14="http://schemas.microsoft.com/office/powerpoint/2010/main" val="1139010838"/>
+        <p14:creationId xmlns:p14="http://schemas.microsoft.com/office/powerpoint/2010/main" val="3010712159"/>
       </p:ext>
     </p:extLst>
   </p:cSld>
@@ -15818,6 +17029,248 @@
           <a:p>
             <a:r>
               <a:rPr lang="en-US" dirty="0" smtClean="0"/>
+              <a:t>Developing with </a:t>
+            </a:r>
+            <a:r>
+              <a:rPr lang="en-US" dirty="0" err="1" smtClean="0"/>
+              <a:t>mdJSON</a:t>
+            </a:r>
+            <a:endParaRPr lang="en-US" dirty="0"/>
+          </a:p>
+        </p:txBody>
+      </p:sp>
+      <p:sp>
+        <p:nvSpPr>
+          <p:cNvPr id="3" name="Content Placeholder 2"/>
+          <p:cNvSpPr>
+            <a:spLocks noGrp="1"/>
+          </p:cNvSpPr>
+          <p:nvPr>
+            <p:ph idx="1"/>
+          </p:nvPr>
+        </p:nvSpPr>
+        <p:spPr/>
+        <p:txBody>
+          <a:bodyPr>
+            <a:normAutofit lnSpcReduction="10000"/>
+          </a:bodyPr>
+          <a:lstStyle/>
+          <a:p>
+            <a:pPr marL="0" indent="0">
+              <a:buNone/>
+            </a:pPr>
+            <a:r>
+              <a:rPr lang="en-US" dirty="0" smtClean="0"/>
+              <a:t>What’s needed:</a:t>
+            </a:r>
+          </a:p>
+          <a:p>
+            <a:r>
+              <a:rPr lang="en-US" dirty="0" smtClean="0"/>
+              <a:t>Understanding of JSON structure and syntax</a:t>
+            </a:r>
+          </a:p>
+          <a:p>
+            <a:r>
+              <a:rPr lang="en-US" dirty="0" smtClean="0"/>
+              <a:t>Basic knowledge of JSON </a:t>
+            </a:r>
+            <a:r>
+              <a:rPr lang="en-US" dirty="0"/>
+              <a:t>Schema </a:t>
+            </a:r>
+            <a:r>
+              <a:rPr lang="en-US" dirty="0" smtClean="0"/>
+              <a:t>specification</a:t>
+            </a:r>
+          </a:p>
+          <a:p>
+            <a:r>
+              <a:rPr lang="en-US" dirty="0" smtClean="0"/>
+              <a:t>Ability to use </a:t>
+            </a:r>
+            <a:r>
+              <a:rPr lang="en-US" dirty="0" err="1" smtClean="0"/>
+              <a:t>mdJSON</a:t>
+            </a:r>
+            <a:r>
+              <a:rPr lang="en-US" dirty="0" smtClean="0"/>
+              <a:t>-schemas to validate</a:t>
+            </a:r>
+          </a:p>
+        </p:txBody>
+      </p:sp>
+      <p:sp>
+        <p:nvSpPr>
+          <p:cNvPr id="4" name="Date Placeholder 3"/>
+          <p:cNvSpPr>
+            <a:spLocks noGrp="1"/>
+          </p:cNvSpPr>
+          <p:nvPr>
+            <p:ph type="dt" sz="half" idx="10"/>
+          </p:nvPr>
+        </p:nvSpPr>
+        <p:spPr/>
+        <p:txBody>
+          <a:bodyPr/>
+          <a:lstStyle/>
+          <a:p>
+            <a:pPr>
+              <a:defRPr/>
+            </a:pPr>
+            <a:fld id="{6C3DD7D0-7E54-4926-8269-92427B4182BC}" type="datetime1">
+              <a:rPr lang="en-US" smtClean="0">
+                <a:solidFill>
+                  <a:srgbClr val="04617B">
+                    <a:shade val="90000"/>
+                  </a:srgbClr>
+                </a:solidFill>
+              </a:rPr>
+              <a:t>5/10/2015</a:t>
+            </a:fld>
+            <a:endParaRPr lang="en-US" dirty="0">
+              <a:solidFill>
+                <a:srgbClr val="04617B">
+                  <a:shade val="90000"/>
+                </a:srgbClr>
+              </a:solidFill>
+            </a:endParaRPr>
+          </a:p>
+        </p:txBody>
+      </p:sp>
+      <p:sp>
+        <p:nvSpPr>
+          <p:cNvPr id="5" name="Footer Placeholder 4"/>
+          <p:cNvSpPr>
+            <a:spLocks noGrp="1"/>
+          </p:cNvSpPr>
+          <p:nvPr>
+            <p:ph type="ftr" sz="quarter" idx="11"/>
+          </p:nvPr>
+        </p:nvSpPr>
+        <p:spPr/>
+        <p:txBody>
+          <a:bodyPr/>
+          <a:lstStyle/>
+          <a:p>
+            <a:pPr>
+              <a:defRPr/>
+            </a:pPr>
+            <a:r>
+              <a:rPr lang="en-US" smtClean="0">
+                <a:solidFill>
+                  <a:srgbClr val="04617B">
+                    <a:shade val="90000"/>
+                  </a:srgbClr>
+                </a:solidFill>
+              </a:rPr>
+              <a:t>www.adiwg.org</a:t>
+            </a:r>
+            <a:endParaRPr lang="en-US" dirty="0" smtClean="0">
+              <a:solidFill>
+                <a:srgbClr val="04617B">
+                  <a:shade val="90000"/>
+                </a:srgbClr>
+              </a:solidFill>
+            </a:endParaRPr>
+          </a:p>
+        </p:txBody>
+      </p:sp>
+      <p:sp>
+        <p:nvSpPr>
+          <p:cNvPr id="6" name="Slide Number Placeholder 5"/>
+          <p:cNvSpPr>
+            <a:spLocks noGrp="1"/>
+          </p:cNvSpPr>
+          <p:nvPr>
+            <p:ph type="sldNum" sz="quarter" idx="12"/>
+          </p:nvPr>
+        </p:nvSpPr>
+        <p:spPr/>
+        <p:txBody>
+          <a:bodyPr/>
+          <a:lstStyle/>
+          <a:p>
+            <a:pPr>
+              <a:defRPr/>
+            </a:pPr>
+            <a:fld id="{D96B19B3-FA35-4262-952F-7D873B09162D}" type="slidenum">
+              <a:rPr lang="en-US" smtClean="0">
+                <a:solidFill>
+                  <a:srgbClr val="04617B">
+                    <a:shade val="90000"/>
+                  </a:srgbClr>
+                </a:solidFill>
+              </a:rPr>
+              <a:pPr>
+                <a:defRPr/>
+              </a:pPr>
+              <a:t>4</a:t>
+            </a:fld>
+            <a:endParaRPr lang="en-US" dirty="0">
+              <a:solidFill>
+                <a:srgbClr val="04617B">
+                  <a:shade val="90000"/>
+                </a:srgbClr>
+              </a:solidFill>
+            </a:endParaRPr>
+          </a:p>
+        </p:txBody>
+      </p:sp>
+    </p:spTree>
+    <p:extLst>
+      <p:ext uri="{BB962C8B-B14F-4D97-AF65-F5344CB8AC3E}">
+        <p14:creationId xmlns:p14="http://schemas.microsoft.com/office/powerpoint/2010/main" val="1139010838"/>
+      </p:ext>
+    </p:extLst>
+  </p:cSld>
+  <p:clrMapOvr>
+    <a:masterClrMapping/>
+  </p:clrMapOvr>
+  <p:timing>
+    <p:tnLst>
+      <p:par>
+        <p:cTn id="1" dur="indefinite" restart="never" nodeType="tmRoot"/>
+      </p:par>
+    </p:tnLst>
+  </p:timing>
+</p:sld>
+</file>
+
+<file path=ppt/slides/slide5.xml><?xml version="1.0" encoding="utf-8"?>
+<p:sld xmlns:a="http://schemas.openxmlformats.org/drawingml/2006/main" xmlns:r="http://schemas.openxmlformats.org/officeDocument/2006/relationships" xmlns:p="http://schemas.openxmlformats.org/presentationml/2006/main">
+  <p:cSld>
+    <p:spTree>
+      <p:nvGrpSpPr>
+        <p:cNvPr id="1" name=""/>
+        <p:cNvGrpSpPr/>
+        <p:nvPr/>
+      </p:nvGrpSpPr>
+      <p:grpSpPr>
+        <a:xfrm>
+          <a:off x="0" y="0"/>
+          <a:ext cx="0" cy="0"/>
+          <a:chOff x="0" y="0"/>
+          <a:chExt cx="0" cy="0"/>
+        </a:xfrm>
+      </p:grpSpPr>
+      <p:sp>
+        <p:nvSpPr>
+          <p:cNvPr id="2" name="Title 1"/>
+          <p:cNvSpPr>
+            <a:spLocks noGrp="1"/>
+          </p:cNvSpPr>
+          <p:nvPr>
+            <p:ph type="title"/>
+          </p:nvPr>
+        </p:nvSpPr>
+        <p:spPr/>
+        <p:txBody>
+          <a:bodyPr/>
+          <a:lstStyle/>
+          <a:p>
+            <a:r>
+              <a:rPr lang="en-US" dirty="0" smtClean="0"/>
               <a:t>JSON Schema</a:t>
             </a:r>
             <a:endParaRPr lang="en-US" dirty="0"/>
@@ -15920,7 +17373,7 @@
                   </a:srgbClr>
                 </a:solidFill>
               </a:rPr>
-              <a:t>5/8/2015</a:t>
+              <a:t>5/10/2015</a:t>
             </a:fld>
             <a:endParaRPr lang="en-US" dirty="0">
               <a:solidFill>
@@ -15999,7 +17452,7 @@
               <a:pPr>
                 <a:defRPr/>
               </a:pPr>
-              <a:t>4</a:t>
+              <a:t>5</a:t>
             </a:fld>
             <a:endParaRPr lang="en-US" dirty="0">
               <a:solidFill>
@@ -16097,7 +17550,7 @@
 </p:sld>
 </file>
 
-<file path=ppt/slides/slide5.xml><?xml version="1.0" encoding="utf-8"?>
+<file path=ppt/slides/slide6.xml><?xml version="1.0" encoding="utf-8"?>
 <p:sld xmlns:a="http://schemas.openxmlformats.org/drawingml/2006/main" xmlns:r="http://schemas.openxmlformats.org/officeDocument/2006/relationships" xmlns:p="http://schemas.openxmlformats.org/presentationml/2006/main">
   <p:cSld>
     <p:spTree>
@@ -16204,6 +17657,17 @@
           </a:p>
           <a:p>
             <a:r>
+              <a:rPr lang="en-US" dirty="0" smtClean="0"/>
+              <a:t>Can </a:t>
+            </a:r>
+            <a:r>
+              <a:rPr lang="en-US" dirty="0" smtClean="0"/>
+              <a:t>point to location in another file</a:t>
+            </a:r>
+            <a:endParaRPr lang="en-US" dirty="0"/>
+          </a:p>
+          <a:p>
+            <a:r>
               <a:rPr lang="en-US" dirty="0"/>
               <a:t>{"$ref": “</a:t>
             </a:r>
@@ -16224,16 +17688,9 @@
               <a:t>/location/in/doc</a:t>
             </a:r>
             <a:r>
-              <a:rPr lang="en-US" dirty="0" smtClean="0"/>
+              <a:rPr lang="en-US" dirty="0"/>
               <a:t>“}</a:t>
             </a:r>
-          </a:p>
-          <a:p>
-            <a:r>
-              <a:rPr lang="en-US" dirty="0" smtClean="0"/>
-              <a:t>Can point to location in another file</a:t>
-            </a:r>
-            <a:endParaRPr lang="en-US" dirty="0"/>
           </a:p>
           <a:p>
             <a:endParaRPr lang="en-US" dirty="0"/>
@@ -16266,270 +17723,7 @@
                   </a:srgbClr>
                 </a:solidFill>
               </a:rPr>
-              <a:t>5/8/2015</a:t>
-            </a:fld>
-            <a:endParaRPr lang="en-US" dirty="0">
-              <a:solidFill>
-                <a:srgbClr val="04617B">
-                  <a:shade val="90000"/>
-                </a:srgbClr>
-              </a:solidFill>
-            </a:endParaRPr>
-          </a:p>
-        </p:txBody>
-      </p:sp>
-      <p:sp>
-        <p:nvSpPr>
-          <p:cNvPr id="5" name="Footer Placeholder 4"/>
-          <p:cNvSpPr>
-            <a:spLocks noGrp="1"/>
-          </p:cNvSpPr>
-          <p:nvPr>
-            <p:ph type="ftr" sz="quarter" idx="11"/>
-          </p:nvPr>
-        </p:nvSpPr>
-        <p:spPr/>
-        <p:txBody>
-          <a:bodyPr/>
-          <a:lstStyle/>
-          <a:p>
-            <a:pPr>
-              <a:defRPr/>
-            </a:pPr>
-            <a:r>
-              <a:rPr lang="en-US" smtClean="0">
-                <a:solidFill>
-                  <a:srgbClr val="04617B">
-                    <a:shade val="90000"/>
-                  </a:srgbClr>
-                </a:solidFill>
-              </a:rPr>
-              <a:t>www.adiwg.org</a:t>
-            </a:r>
-            <a:endParaRPr lang="en-US" dirty="0">
-              <a:solidFill>
-                <a:srgbClr val="04617B">
-                  <a:shade val="90000"/>
-                </a:srgbClr>
-              </a:solidFill>
-            </a:endParaRPr>
-          </a:p>
-        </p:txBody>
-      </p:sp>
-      <p:sp>
-        <p:nvSpPr>
-          <p:cNvPr id="6" name="Slide Number Placeholder 5"/>
-          <p:cNvSpPr>
-            <a:spLocks noGrp="1"/>
-          </p:cNvSpPr>
-          <p:nvPr>
-            <p:ph type="sldNum" sz="quarter" idx="12"/>
-          </p:nvPr>
-        </p:nvSpPr>
-        <p:spPr/>
-        <p:txBody>
-          <a:bodyPr/>
-          <a:lstStyle/>
-          <a:p>
-            <a:pPr>
-              <a:defRPr/>
-            </a:pPr>
-            <a:fld id="{5C761996-6562-4A03-AC27-77C8C27CEDDE}" type="slidenum">
-              <a:rPr lang="en-US" smtClean="0">
-                <a:solidFill>
-                  <a:srgbClr val="04617B">
-                    <a:shade val="90000"/>
-                  </a:srgbClr>
-                </a:solidFill>
-              </a:rPr>
-              <a:pPr>
-                <a:defRPr/>
-              </a:pPr>
-              <a:t>5</a:t>
-            </a:fld>
-            <a:endParaRPr lang="en-US" dirty="0">
-              <a:solidFill>
-                <a:srgbClr val="04617B">
-                  <a:shade val="90000"/>
-                </a:srgbClr>
-              </a:solidFill>
-            </a:endParaRPr>
-          </a:p>
-        </p:txBody>
-      </p:sp>
-      <p:sp>
-        <p:nvSpPr>
-          <p:cNvPr id="10" name="Rectangle 9"/>
-          <p:cNvSpPr/>
-          <p:nvPr/>
-        </p:nvSpPr>
-        <p:spPr>
-          <a:xfrm>
-            <a:off x="457200" y="5638800"/>
-            <a:ext cx="8229600" cy="400110"/>
-          </a:xfrm>
-          <a:prstGeom prst="rect">
-            <a:avLst/>
-          </a:prstGeom>
-        </p:spPr>
-        <p:txBody>
-          <a:bodyPr wrap="square">
-            <a:spAutoFit/>
-          </a:bodyPr>
-          <a:lstStyle/>
-          <a:p>
-            <a:pPr algn="ctr"/>
-            <a:r>
-              <a:rPr lang="en-US" sz="2000" b="1" dirty="0">
-                <a:hlinkClick r:id="rId3"/>
-              </a:rPr>
-              <a:t>http://spacetelescope.github.io/understanding-json-schema</a:t>
-            </a:r>
-            <a:r>
-              <a:rPr lang="en-US" sz="2000" b="1" dirty="0" smtClean="0">
-                <a:hlinkClick r:id="rId3"/>
-              </a:rPr>
-              <a:t>/</a:t>
-            </a:r>
-            <a:endParaRPr lang="en-US" sz="2000" b="1" dirty="0" smtClean="0"/>
-          </a:p>
-        </p:txBody>
-      </p:sp>
-    </p:spTree>
-    <p:extLst>
-      <p:ext uri="{BB962C8B-B14F-4D97-AF65-F5344CB8AC3E}">
-        <p14:creationId xmlns:p14="http://schemas.microsoft.com/office/powerpoint/2010/main" val="1045073618"/>
-      </p:ext>
-    </p:extLst>
-  </p:cSld>
-  <p:clrMapOvr>
-    <a:masterClrMapping/>
-  </p:clrMapOvr>
-  <p:timing>
-    <p:tnLst>
-      <p:par>
-        <p:cTn id="1" dur="indefinite" restart="never" nodeType="tmRoot"/>
-      </p:par>
-    </p:tnLst>
-  </p:timing>
-</p:sld>
-</file>
-
-<file path=ppt/slides/slide6.xml><?xml version="1.0" encoding="utf-8"?>
-<p:sld xmlns:a="http://schemas.openxmlformats.org/drawingml/2006/main" xmlns:r="http://schemas.openxmlformats.org/officeDocument/2006/relationships" xmlns:p="http://schemas.openxmlformats.org/presentationml/2006/main">
-  <p:cSld>
-    <p:spTree>
-      <p:nvGrpSpPr>
-        <p:cNvPr id="1" name=""/>
-        <p:cNvGrpSpPr/>
-        <p:nvPr/>
-      </p:nvGrpSpPr>
-      <p:grpSpPr>
-        <a:xfrm>
-          <a:off x="0" y="0"/>
-          <a:ext cx="0" cy="0"/>
-          <a:chOff x="0" y="0"/>
-          <a:chExt cx="0" cy="0"/>
-        </a:xfrm>
-      </p:grpSpPr>
-      <p:sp>
-        <p:nvSpPr>
-          <p:cNvPr id="8" name="Title 7"/>
-          <p:cNvSpPr>
-            <a:spLocks noGrp="1"/>
-          </p:cNvSpPr>
-          <p:nvPr>
-            <p:ph type="title"/>
-          </p:nvPr>
-        </p:nvSpPr>
-        <p:spPr/>
-        <p:txBody>
-          <a:bodyPr/>
-          <a:lstStyle/>
-          <a:p>
-            <a:r>
-              <a:rPr lang="en-US" dirty="0" smtClean="0"/>
-              <a:t>JSON Schema Keywords</a:t>
-            </a:r>
-            <a:endParaRPr lang="en-US" dirty="0"/>
-          </a:p>
-        </p:txBody>
-      </p:sp>
-      <p:sp>
-        <p:nvSpPr>
-          <p:cNvPr id="9" name="Content Placeholder 8"/>
-          <p:cNvSpPr>
-            <a:spLocks noGrp="1"/>
-          </p:cNvSpPr>
-          <p:nvPr>
-            <p:ph idx="1"/>
-          </p:nvPr>
-        </p:nvSpPr>
-        <p:spPr/>
-        <p:txBody>
-          <a:bodyPr>
-            <a:normAutofit/>
-          </a:bodyPr>
-          <a:lstStyle/>
-          <a:p>
-            <a:r>
-              <a:rPr lang="en-US" dirty="0" err="1" smtClean="0"/>
-              <a:t>allOf</a:t>
-            </a:r>
-            <a:r>
-              <a:rPr lang="en-US" dirty="0"/>
-              <a:t>: Must be valid against all of the subschemas</a:t>
-            </a:r>
-          </a:p>
-          <a:p>
-            <a:r>
-              <a:rPr lang="en-US" dirty="0" err="1"/>
-              <a:t>anyOf</a:t>
-            </a:r>
-            <a:r>
-              <a:rPr lang="en-US" dirty="0"/>
-              <a:t>: Must be valid against any of the subschemas</a:t>
-            </a:r>
-          </a:p>
-          <a:p>
-            <a:r>
-              <a:rPr lang="en-US" dirty="0" err="1"/>
-              <a:t>oneOf</a:t>
-            </a:r>
-            <a:r>
-              <a:rPr lang="en-US" dirty="0"/>
-              <a:t>: Must be valid against exactly one of the subschemas</a:t>
-            </a:r>
-          </a:p>
-        </p:txBody>
-      </p:sp>
-      <p:sp>
-        <p:nvSpPr>
-          <p:cNvPr id="4" name="Date Placeholder 3"/>
-          <p:cNvSpPr>
-            <a:spLocks noGrp="1"/>
-          </p:cNvSpPr>
-          <p:nvPr>
-            <p:ph type="dt" sz="half" idx="10"/>
-          </p:nvPr>
-        </p:nvSpPr>
-        <p:spPr/>
-        <p:txBody>
-          <a:bodyPr/>
-          <a:lstStyle/>
-          <a:p>
-            <a:pPr>
-              <a:defRPr/>
-            </a:pPr>
-            <a:fld id="{82C8B191-0B96-4FC2-A149-2BC68DBF7C78}" type="datetime1">
-              <a:rPr lang="en-US" smtClean="0">
-                <a:solidFill>
-                  <a:srgbClr val="04617B">
-                    <a:shade val="90000"/>
-                  </a:srgbClr>
-                </a:solidFill>
-              </a:rPr>
-              <a:t>5/8/2015</a:t>
+              <a:t>5/10/2015</a:t>
             </a:fld>
             <a:endParaRPr lang="en-US" dirty="0">
               <a:solidFill>
@@ -16628,7 +17822,7 @@
         </p:nvSpPr>
         <p:spPr>
           <a:xfrm>
-            <a:off x="457200" y="5619690"/>
+            <a:off x="457200" y="5638800"/>
             <a:ext cx="8229600" cy="400110"/>
           </a:xfrm>
           <a:prstGeom prst="rect">
@@ -16644,13 +17838,13 @@
             <a:pPr algn="ctr"/>
             <a:r>
               <a:rPr lang="en-US" sz="2000" b="1" dirty="0">
-                <a:hlinkClick r:id="rId2"/>
+                <a:hlinkClick r:id="rId3"/>
               </a:rPr>
               <a:t>http://spacetelescope.github.io/understanding-json-schema</a:t>
             </a:r>
             <a:r>
               <a:rPr lang="en-US" sz="2000" b="1" dirty="0" smtClean="0">
-                <a:hlinkClick r:id="rId2"/>
+                <a:hlinkClick r:id="rId3"/>
               </a:rPr>
               <a:t>/</a:t>
             </a:r>
@@ -16661,7 +17855,7 @@
     </p:spTree>
     <p:extLst>
       <p:ext uri="{BB962C8B-B14F-4D97-AF65-F5344CB8AC3E}">
-        <p14:creationId xmlns:p14="http://schemas.microsoft.com/office/powerpoint/2010/main" val="3963248642"/>
+        <p14:creationId xmlns:p14="http://schemas.microsoft.com/office/powerpoint/2010/main" val="1045073618"/>
       </p:ext>
     </p:extLst>
   </p:cSld>
@@ -16697,6 +17891,269 @@
       </p:grpSpPr>
       <p:sp>
         <p:nvSpPr>
+          <p:cNvPr id="8" name="Title 7"/>
+          <p:cNvSpPr>
+            <a:spLocks noGrp="1"/>
+          </p:cNvSpPr>
+          <p:nvPr>
+            <p:ph type="title"/>
+          </p:nvPr>
+        </p:nvSpPr>
+        <p:spPr/>
+        <p:txBody>
+          <a:bodyPr/>
+          <a:lstStyle/>
+          <a:p>
+            <a:r>
+              <a:rPr lang="en-US" dirty="0" smtClean="0"/>
+              <a:t>JSON Schema Keywords</a:t>
+            </a:r>
+            <a:endParaRPr lang="en-US" dirty="0"/>
+          </a:p>
+        </p:txBody>
+      </p:sp>
+      <p:sp>
+        <p:nvSpPr>
+          <p:cNvPr id="9" name="Content Placeholder 8"/>
+          <p:cNvSpPr>
+            <a:spLocks noGrp="1"/>
+          </p:cNvSpPr>
+          <p:nvPr>
+            <p:ph idx="1"/>
+          </p:nvPr>
+        </p:nvSpPr>
+        <p:spPr/>
+        <p:txBody>
+          <a:bodyPr>
+            <a:normAutofit/>
+          </a:bodyPr>
+          <a:lstStyle/>
+          <a:p>
+            <a:r>
+              <a:rPr lang="en-US" dirty="0" err="1" smtClean="0"/>
+              <a:t>allOf</a:t>
+            </a:r>
+            <a:r>
+              <a:rPr lang="en-US" dirty="0"/>
+              <a:t>: Must be valid against all of the subschemas</a:t>
+            </a:r>
+          </a:p>
+          <a:p>
+            <a:r>
+              <a:rPr lang="en-US" dirty="0" err="1"/>
+              <a:t>anyOf</a:t>
+            </a:r>
+            <a:r>
+              <a:rPr lang="en-US" dirty="0"/>
+              <a:t>: Must be valid against any of the subschemas</a:t>
+            </a:r>
+          </a:p>
+          <a:p>
+            <a:r>
+              <a:rPr lang="en-US" dirty="0" err="1"/>
+              <a:t>oneOf</a:t>
+            </a:r>
+            <a:r>
+              <a:rPr lang="en-US" dirty="0"/>
+              <a:t>: Must be valid against exactly one of the subschemas</a:t>
+            </a:r>
+          </a:p>
+        </p:txBody>
+      </p:sp>
+      <p:sp>
+        <p:nvSpPr>
+          <p:cNvPr id="4" name="Date Placeholder 3"/>
+          <p:cNvSpPr>
+            <a:spLocks noGrp="1"/>
+          </p:cNvSpPr>
+          <p:nvPr>
+            <p:ph type="dt" sz="half" idx="10"/>
+          </p:nvPr>
+        </p:nvSpPr>
+        <p:spPr/>
+        <p:txBody>
+          <a:bodyPr/>
+          <a:lstStyle/>
+          <a:p>
+            <a:pPr>
+              <a:defRPr/>
+            </a:pPr>
+            <a:fld id="{82C8B191-0B96-4FC2-A149-2BC68DBF7C78}" type="datetime1">
+              <a:rPr lang="en-US" smtClean="0">
+                <a:solidFill>
+                  <a:srgbClr val="04617B">
+                    <a:shade val="90000"/>
+                  </a:srgbClr>
+                </a:solidFill>
+              </a:rPr>
+              <a:t>5/10/2015</a:t>
+            </a:fld>
+            <a:endParaRPr lang="en-US" dirty="0">
+              <a:solidFill>
+                <a:srgbClr val="04617B">
+                  <a:shade val="90000"/>
+                </a:srgbClr>
+              </a:solidFill>
+            </a:endParaRPr>
+          </a:p>
+        </p:txBody>
+      </p:sp>
+      <p:sp>
+        <p:nvSpPr>
+          <p:cNvPr id="5" name="Footer Placeholder 4"/>
+          <p:cNvSpPr>
+            <a:spLocks noGrp="1"/>
+          </p:cNvSpPr>
+          <p:nvPr>
+            <p:ph type="ftr" sz="quarter" idx="11"/>
+          </p:nvPr>
+        </p:nvSpPr>
+        <p:spPr/>
+        <p:txBody>
+          <a:bodyPr/>
+          <a:lstStyle/>
+          <a:p>
+            <a:pPr>
+              <a:defRPr/>
+            </a:pPr>
+            <a:r>
+              <a:rPr lang="en-US" smtClean="0">
+                <a:solidFill>
+                  <a:srgbClr val="04617B">
+                    <a:shade val="90000"/>
+                  </a:srgbClr>
+                </a:solidFill>
+              </a:rPr>
+              <a:t>www.adiwg.org</a:t>
+            </a:r>
+            <a:endParaRPr lang="en-US" dirty="0">
+              <a:solidFill>
+                <a:srgbClr val="04617B">
+                  <a:shade val="90000"/>
+                </a:srgbClr>
+              </a:solidFill>
+            </a:endParaRPr>
+          </a:p>
+        </p:txBody>
+      </p:sp>
+      <p:sp>
+        <p:nvSpPr>
+          <p:cNvPr id="6" name="Slide Number Placeholder 5"/>
+          <p:cNvSpPr>
+            <a:spLocks noGrp="1"/>
+          </p:cNvSpPr>
+          <p:nvPr>
+            <p:ph type="sldNum" sz="quarter" idx="12"/>
+          </p:nvPr>
+        </p:nvSpPr>
+        <p:spPr/>
+        <p:txBody>
+          <a:bodyPr/>
+          <a:lstStyle/>
+          <a:p>
+            <a:pPr>
+              <a:defRPr/>
+            </a:pPr>
+            <a:fld id="{5C761996-6562-4A03-AC27-77C8C27CEDDE}" type="slidenum">
+              <a:rPr lang="en-US" smtClean="0">
+                <a:solidFill>
+                  <a:srgbClr val="04617B">
+                    <a:shade val="90000"/>
+                  </a:srgbClr>
+                </a:solidFill>
+              </a:rPr>
+              <a:pPr>
+                <a:defRPr/>
+              </a:pPr>
+              <a:t>7</a:t>
+            </a:fld>
+            <a:endParaRPr lang="en-US" dirty="0">
+              <a:solidFill>
+                <a:srgbClr val="04617B">
+                  <a:shade val="90000"/>
+                </a:srgbClr>
+              </a:solidFill>
+            </a:endParaRPr>
+          </a:p>
+        </p:txBody>
+      </p:sp>
+      <p:sp>
+        <p:nvSpPr>
+          <p:cNvPr id="10" name="Rectangle 9"/>
+          <p:cNvSpPr/>
+          <p:nvPr/>
+        </p:nvSpPr>
+        <p:spPr>
+          <a:xfrm>
+            <a:off x="457200" y="5619690"/>
+            <a:ext cx="8229600" cy="400110"/>
+          </a:xfrm>
+          <a:prstGeom prst="rect">
+            <a:avLst/>
+          </a:prstGeom>
+        </p:spPr>
+        <p:txBody>
+          <a:bodyPr wrap="square">
+            <a:spAutoFit/>
+          </a:bodyPr>
+          <a:lstStyle/>
+          <a:p>
+            <a:pPr algn="ctr"/>
+            <a:r>
+              <a:rPr lang="en-US" sz="2000" b="1" dirty="0">
+                <a:hlinkClick r:id="rId3"/>
+              </a:rPr>
+              <a:t>http://spacetelescope.github.io/understanding-json-schema</a:t>
+            </a:r>
+            <a:r>
+              <a:rPr lang="en-US" sz="2000" b="1" dirty="0" smtClean="0">
+                <a:hlinkClick r:id="rId3"/>
+              </a:rPr>
+              <a:t>/</a:t>
+            </a:r>
+            <a:endParaRPr lang="en-US" sz="2000" b="1" dirty="0" smtClean="0"/>
+          </a:p>
+        </p:txBody>
+      </p:sp>
+    </p:spTree>
+    <p:extLst>
+      <p:ext uri="{BB962C8B-B14F-4D97-AF65-F5344CB8AC3E}">
+        <p14:creationId xmlns:p14="http://schemas.microsoft.com/office/powerpoint/2010/main" val="3963248642"/>
+      </p:ext>
+    </p:extLst>
+  </p:cSld>
+  <p:clrMapOvr>
+    <a:masterClrMapping/>
+  </p:clrMapOvr>
+  <p:timing>
+    <p:tnLst>
+      <p:par>
+        <p:cTn id="1" dur="indefinite" restart="never" nodeType="tmRoot"/>
+      </p:par>
+    </p:tnLst>
+  </p:timing>
+</p:sld>
+</file>
+
+<file path=ppt/slides/slide8.xml><?xml version="1.0" encoding="utf-8"?>
+<p:sld xmlns:a="http://schemas.openxmlformats.org/drawingml/2006/main" xmlns:r="http://schemas.openxmlformats.org/officeDocument/2006/relationships" xmlns:p="http://schemas.openxmlformats.org/presentationml/2006/main">
+  <p:cSld>
+    <p:spTree>
+      <p:nvGrpSpPr>
+        <p:cNvPr id="1" name=""/>
+        <p:cNvGrpSpPr/>
+        <p:nvPr/>
+      </p:nvGrpSpPr>
+      <p:grpSpPr>
+        <a:xfrm>
+          <a:off x="0" y="0"/>
+          <a:ext cx="0" cy="0"/>
+          <a:chOff x="0" y="0"/>
+          <a:chExt cx="0" cy="0"/>
+        </a:xfrm>
+      </p:grpSpPr>
+      <p:sp>
+        <p:nvSpPr>
           <p:cNvPr id="2" name="Title 1"/>
           <p:cNvSpPr>
             <a:spLocks noGrp="1"/>
@@ -16802,7 +18259,7 @@
                   </a:srgbClr>
                 </a:solidFill>
               </a:rPr>
-              <a:t>5/8/2015</a:t>
+              <a:t>5/10/2015</a:t>
             </a:fld>
             <a:endParaRPr lang="en-US" dirty="0">
               <a:solidFill>
@@ -16881,7 +18338,7 @@
               <a:pPr>
                 <a:defRPr/>
               </a:pPr>
-              <a:t>7</a:t>
+              <a:t>8</a:t>
             </a:fld>
             <a:endParaRPr lang="en-US" dirty="0">
               <a:solidFill>
@@ -16951,7 +18408,7 @@
 </p:sld>
 </file>
 
-<file path=ppt/slides/slide8.xml><?xml version="1.0" encoding="utf-8"?>
+<file path=ppt/slides/slide9.xml><?xml version="1.0" encoding="utf-8"?>
 <p:sld xmlns:a="http://schemas.openxmlformats.org/drawingml/2006/main" xmlns:r="http://schemas.openxmlformats.org/officeDocument/2006/relationships" xmlns:p="http://schemas.openxmlformats.org/presentationml/2006/main">
   <p:cSld>
     <p:spTree>
@@ -17036,6 +18493,9 @@
             </a:r>
           </a:p>
           <a:p>
+            <a:pPr marL="0" indent="0">
+              <a:buNone/>
+            </a:pPr>
             <a:endParaRPr lang="en-US" dirty="0" smtClean="0">
               <a:solidFill>
                 <a:prstClr val="black">
@@ -17043,7 +18503,7 @@
                   <a:lumOff val="35000"/>
                 </a:prstClr>
               </a:solidFill>
-              <a:hlinkClick r:id="rId2"/>
+              <a:hlinkClick r:id="rId3"/>
             </a:endParaRPr>
           </a:p>
           <a:p>
@@ -17058,7 +18518,7 @@
                     <a:lumOff val="35000"/>
                   </a:prstClr>
                 </a:solidFill>
-                <a:hlinkClick r:id="rId2"/>
+                <a:hlinkClick r:id="rId3"/>
               </a:rPr>
               <a:t>www.adiwg.org/mdTools</a:t>
             </a:r>
@@ -17099,7 +18559,7 @@
                   </a:srgbClr>
                 </a:solidFill>
               </a:rPr>
-              <a:t>5/8/2015</a:t>
+              <a:t>5/10/2015</a:t>
             </a:fld>
             <a:endParaRPr lang="en-US" dirty="0">
               <a:solidFill>
@@ -17178,7 +18638,7 @@
               <a:pPr>
                 <a:defRPr/>
               </a:pPr>
-              <a:t>8</a:t>
+              <a:t>9</a:t>
             </a:fld>
             <a:endParaRPr lang="en-US" dirty="0">
               <a:solidFill>
@@ -17199,7 +18659,7 @@
           <p:nvPr/>
         </p:nvPicPr>
         <p:blipFill>
-          <a:blip r:embed="rId3">
+          <a:blip r:embed="rId4">
             <a:extLst>
               <a:ext uri="{28A0092B-C50C-407E-A947-70E740481C1C}">
                 <a14:useLocalDpi xmlns:a14="http://schemas.microsoft.com/office/drawing/2010/main" val="0"/>
@@ -17317,7 +18777,7 @@
             <p:nvPr/>
           </p:nvPicPr>
           <p:blipFill>
-            <a:blip r:embed="rId4" cstate="print">
+            <a:blip r:embed="rId5" cstate="print">
               <a:extLst>
                 <a:ext uri="{28A0092B-C50C-407E-A947-70E740481C1C}">
                   <a14:useLocalDpi xmlns:a14="http://schemas.microsoft.com/office/drawing/2010/main" val="0"/>
@@ -17408,15 +18868,6 @@
                 </a:rPr>
                 <a:t>3.js</a:t>
               </a:r>
-              <a:endParaRPr lang="en-US" b="1" dirty="0" smtClean="0">
-                <a:solidFill>
-                  <a:schemeClr val="tx1">
-                    <a:lumMod val="65000"/>
-                    <a:lumOff val="35000"/>
-                  </a:schemeClr>
-                </a:solidFill>
-                <a:latin typeface="Lucida Sans" panose="020B0602030504020204" pitchFamily="34" charset="0"/>
-              </a:endParaRPr>
             </a:p>
           </p:txBody>
         </p:sp>
@@ -17430,7 +18881,7 @@
           <p:nvPr/>
         </p:nvPicPr>
         <p:blipFill>
-          <a:blip r:embed="rId5" cstate="print">
+          <a:blip r:embed="rId6" cstate="print">
             <a:extLst>
               <a:ext uri="{28A0092B-C50C-407E-A947-70E740481C1C}">
                 <a14:useLocalDpi xmlns:a14="http://schemas.microsoft.com/office/drawing/2010/main" val="0"/>
